--- a/assets/files/Tema5/5. Rendimiento de los modelos.pptx
+++ b/assets/files/Tema5/5. Rendimiento de los modelos.pptx
@@ -20,21 +20,24 @@
     <p:sldId id="265" r:id="rId15"/>
     <p:sldId id="266" r:id="rId16"/>
     <p:sldId id="267" r:id="rId17"/>
+    <p:sldId id="268" r:id="rId18"/>
+    <p:sldId id="269" r:id="rId19"/>
+    <p:sldId id="270" r:id="rId20"/>
   </p:sldIdLst>
   <p:sldSz cy="5143500" cx="9144000"/>
   <p:notesSz cx="6858000" cy="9144000"/>
   <p:embeddedFontLst>
     <p:embeddedFont>
       <p:font typeface="Amatic SC"/>
-      <p:regular r:id="rId18"/>
-      <p:bold r:id="rId19"/>
+      <p:regular r:id="rId21"/>
+      <p:bold r:id="rId22"/>
     </p:embeddedFont>
     <p:embeddedFont>
       <p:font typeface="Source Code Pro"/>
-      <p:regular r:id="rId20"/>
-      <p:bold r:id="rId21"/>
-      <p:italic r:id="rId22"/>
-      <p:boldItalic r:id="rId23"/>
+      <p:regular r:id="rId23"/>
+      <p:bold r:id="rId24"/>
+      <p:italic r:id="rId25"/>
+      <p:boldItalic r:id="rId26"/>
     </p:embeddedFont>
   </p:embeddedFontLst>
   <p:defaultTextStyle>
@@ -815,7 +818,7 @@
   <p:cSld>
     <p:spTree>
       <p:nvGrpSpPr>
-        <p:cNvPr id="115" name="Shape 115"/>
+        <p:cNvPr id="119" name="Shape 119"/>
         <p:cNvGrpSpPr/>
         <p:nvPr/>
       </p:nvGrpSpPr>
@@ -829,7 +832,7 @@
       </p:grpSpPr>
       <p:sp>
         <p:nvSpPr>
-          <p:cNvPr id="116" name="Google Shape;116;gb0357c1340_0_120:notes"/>
+          <p:cNvPr id="120" name="Google Shape;120;gb90435f915_0_27:notes"/>
           <p:cNvSpPr/>
           <p:nvPr>
             <p:ph idx="2" type="sldImg"/>
@@ -864,7 +867,7 @@
       </p:sp>
       <p:sp>
         <p:nvSpPr>
-          <p:cNvPr id="117" name="Google Shape;117;gb0357c1340_0_120:notes"/>
+          <p:cNvPr id="121" name="Google Shape;121;gb90435f915_0_27:notes"/>
           <p:cNvSpPr txBox="1"/>
           <p:nvPr>
             <p:ph idx="1" type="body"/>
@@ -914,7 +917,7 @@
   <p:cSld>
     <p:spTree>
       <p:nvGrpSpPr>
-        <p:cNvPr id="122" name="Shape 122"/>
+        <p:cNvPr id="126" name="Shape 126"/>
         <p:cNvGrpSpPr/>
         <p:nvPr/>
       </p:nvGrpSpPr>
@@ -928,7 +931,7 @@
       </p:grpSpPr>
       <p:sp>
         <p:nvSpPr>
-          <p:cNvPr id="123" name="Google Shape;123;gb0357c1340_0_72:notes"/>
+          <p:cNvPr id="127" name="Google Shape;127;ga924bb3735_0_0:notes"/>
           <p:cNvSpPr/>
           <p:nvPr>
             <p:ph idx="2" type="sldImg"/>
@@ -963,7 +966,7 @@
       </p:sp>
       <p:sp>
         <p:nvSpPr>
-          <p:cNvPr id="124" name="Google Shape;124;gb0357c1340_0_72:notes"/>
+          <p:cNvPr id="128" name="Google Shape;128;ga924bb3735_0_0:notes"/>
           <p:cNvSpPr txBox="1"/>
           <p:nvPr>
             <p:ph idx="1" type="body"/>
@@ -1013,7 +1016,7 @@
   <p:cSld>
     <p:spTree>
       <p:nvGrpSpPr>
-        <p:cNvPr id="129" name="Shape 129"/>
+        <p:cNvPr id="132" name="Shape 132"/>
         <p:cNvGrpSpPr/>
         <p:nvPr/>
       </p:nvGrpSpPr>
@@ -1027,7 +1030,7 @@
       </p:grpSpPr>
       <p:sp>
         <p:nvSpPr>
-          <p:cNvPr id="130" name="Google Shape;130;gb0357c1340_0_110:notes"/>
+          <p:cNvPr id="133" name="Google Shape;133;gb0357c1340_0_120:notes"/>
           <p:cNvSpPr/>
           <p:nvPr>
             <p:ph idx="2" type="sldImg"/>
@@ -1062,7 +1065,7 @@
       </p:sp>
       <p:sp>
         <p:nvSpPr>
-          <p:cNvPr id="131" name="Google Shape;131;gb0357c1340_0_110:notes"/>
+          <p:cNvPr id="134" name="Google Shape;134;gb0357c1340_0_120:notes"/>
           <p:cNvSpPr txBox="1"/>
           <p:nvPr>
             <p:ph idx="1" type="body"/>
@@ -1107,12 +1110,12 @@
 </p:notes>
 </file>
 
-<file path=ppt/notesSlides/notesSlide2.xml><?xml version="1.0" encoding="utf-8"?>
+<file path=ppt/notesSlides/notesSlide13.xml><?xml version="1.0" encoding="utf-8"?>
 <p:notes xmlns:a="http://schemas.openxmlformats.org/drawingml/2006/main" xmlns:r="http://schemas.openxmlformats.org/officeDocument/2006/relationships" xmlns:mc="http://schemas.openxmlformats.org/markup-compatibility/2006" xmlns:mv="urn:schemas-microsoft-com:mac:vml" xmlns:p="http://schemas.openxmlformats.org/presentationml/2006/main" xmlns:c="http://schemas.openxmlformats.org/drawingml/2006/chart" xmlns:dgm="http://schemas.openxmlformats.org/drawingml/2006/diagram" xmlns:o="urn:schemas-microsoft-com:office:office" xmlns:v="urn:schemas-microsoft-com:vml" xmlns:pvml="urn:schemas-microsoft-com:office:powerpoint" xmlns:com="http://schemas.openxmlformats.org/drawingml/2006/compatibility" xmlns:p14="http://schemas.microsoft.com/office/powerpoint/2010/main" xmlns:p15="http://schemas.microsoft.com/office/powerpoint/2012/main" xmlns:ahyp="http://schemas.microsoft.com/office/drawing/2018/hyperlinkcolor" showMasterPhAnim="0" showMasterSp="0">
   <p:cSld>
     <p:spTree>
       <p:nvGrpSpPr>
-        <p:cNvPr id="58" name="Shape 58"/>
+        <p:cNvPr id="139" name="Shape 139"/>
         <p:cNvGrpSpPr/>
         <p:nvPr/>
       </p:nvGrpSpPr>
@@ -1126,7 +1129,7 @@
       </p:grpSpPr>
       <p:sp>
         <p:nvSpPr>
-          <p:cNvPr id="59" name="Google Shape;59;gb0357c1340_0_48:notes"/>
+          <p:cNvPr id="140" name="Google Shape;140;gb934b21d08_0_1:notes"/>
           <p:cNvSpPr/>
           <p:nvPr>
             <p:ph idx="2" type="sldImg"/>
@@ -1161,7 +1164,7 @@
       </p:sp>
       <p:sp>
         <p:nvSpPr>
-          <p:cNvPr id="60" name="Google Shape;60;gb0357c1340_0_48:notes"/>
+          <p:cNvPr id="141" name="Google Shape;141;gb934b21d08_0_1:notes"/>
           <p:cNvSpPr txBox="1"/>
           <p:nvPr>
             <p:ph idx="1" type="body"/>
@@ -1206,12 +1209,12 @@
 </p:notes>
 </file>
 
-<file path=ppt/notesSlides/notesSlide3.xml><?xml version="1.0" encoding="utf-8"?>
+<file path=ppt/notesSlides/notesSlide14.xml><?xml version="1.0" encoding="utf-8"?>
 <p:notes xmlns:a="http://schemas.openxmlformats.org/drawingml/2006/main" xmlns:r="http://schemas.openxmlformats.org/officeDocument/2006/relationships" xmlns:mc="http://schemas.openxmlformats.org/markup-compatibility/2006" xmlns:mv="urn:schemas-microsoft-com:mac:vml" xmlns:p="http://schemas.openxmlformats.org/presentationml/2006/main" xmlns:c="http://schemas.openxmlformats.org/drawingml/2006/chart" xmlns:dgm="http://schemas.openxmlformats.org/drawingml/2006/diagram" xmlns:o="urn:schemas-microsoft-com:office:office" xmlns:v="urn:schemas-microsoft-com:vml" xmlns:pvml="urn:schemas-microsoft-com:office:powerpoint" xmlns:com="http://schemas.openxmlformats.org/drawingml/2006/compatibility" xmlns:p14="http://schemas.microsoft.com/office/powerpoint/2010/main" xmlns:p15="http://schemas.microsoft.com/office/powerpoint/2012/main" xmlns:ahyp="http://schemas.microsoft.com/office/drawing/2018/hyperlinkcolor" showMasterPhAnim="0" showMasterSp="0">
   <p:cSld>
     <p:spTree>
       <p:nvGrpSpPr>
-        <p:cNvPr id="64" name="Shape 64"/>
+        <p:cNvPr id="146" name="Shape 146"/>
         <p:cNvGrpSpPr/>
         <p:nvPr/>
       </p:nvGrpSpPr>
@@ -1225,7 +1228,7 @@
       </p:grpSpPr>
       <p:sp>
         <p:nvSpPr>
-          <p:cNvPr id="65" name="Google Shape;65;gb0357c1340_0_53:notes"/>
+          <p:cNvPr id="147" name="Google Shape;147;gb0357c1340_0_72:notes"/>
           <p:cNvSpPr/>
           <p:nvPr>
             <p:ph idx="2" type="sldImg"/>
@@ -1260,7 +1263,7 @@
       </p:sp>
       <p:sp>
         <p:nvSpPr>
-          <p:cNvPr id="66" name="Google Shape;66;gb0357c1340_0_53:notes"/>
+          <p:cNvPr id="148" name="Google Shape;148;gb0357c1340_0_72:notes"/>
           <p:cNvSpPr txBox="1"/>
           <p:nvPr>
             <p:ph idx="1" type="body"/>
@@ -1305,12 +1308,12 @@
 </p:notes>
 </file>
 
-<file path=ppt/notesSlides/notesSlide4.xml><?xml version="1.0" encoding="utf-8"?>
+<file path=ppt/notesSlides/notesSlide15.xml><?xml version="1.0" encoding="utf-8"?>
 <p:notes xmlns:a="http://schemas.openxmlformats.org/drawingml/2006/main" xmlns:r="http://schemas.openxmlformats.org/officeDocument/2006/relationships" xmlns:mc="http://schemas.openxmlformats.org/markup-compatibility/2006" xmlns:mv="urn:schemas-microsoft-com:mac:vml" xmlns:p="http://schemas.openxmlformats.org/presentationml/2006/main" xmlns:c="http://schemas.openxmlformats.org/drawingml/2006/chart" xmlns:dgm="http://schemas.openxmlformats.org/drawingml/2006/diagram" xmlns:o="urn:schemas-microsoft-com:office:office" xmlns:v="urn:schemas-microsoft-com:vml" xmlns:pvml="urn:schemas-microsoft-com:office:powerpoint" xmlns:com="http://schemas.openxmlformats.org/drawingml/2006/compatibility" xmlns:p14="http://schemas.microsoft.com/office/powerpoint/2010/main" xmlns:p15="http://schemas.microsoft.com/office/powerpoint/2012/main" xmlns:ahyp="http://schemas.microsoft.com/office/drawing/2018/hyperlinkcolor" showMasterPhAnim="0" showMasterSp="0">
   <p:cSld>
     <p:spTree>
       <p:nvGrpSpPr>
-        <p:cNvPr id="71" name="Shape 71"/>
+        <p:cNvPr id="153" name="Shape 153"/>
         <p:cNvGrpSpPr/>
         <p:nvPr/>
       </p:nvGrpSpPr>
@@ -1324,7 +1327,7 @@
       </p:grpSpPr>
       <p:sp>
         <p:nvSpPr>
-          <p:cNvPr id="72" name="Google Shape;72;gb0357c1340_0_59:notes"/>
+          <p:cNvPr id="154" name="Google Shape;154;gb0357c1340_0_110:notes"/>
           <p:cNvSpPr/>
           <p:nvPr>
             <p:ph idx="2" type="sldImg"/>
@@ -1359,7 +1362,7 @@
       </p:sp>
       <p:sp>
         <p:nvSpPr>
-          <p:cNvPr id="73" name="Google Shape;73;gb0357c1340_0_59:notes"/>
+          <p:cNvPr id="155" name="Google Shape;155;gb0357c1340_0_110:notes"/>
           <p:cNvSpPr txBox="1"/>
           <p:nvPr>
             <p:ph idx="1" type="body"/>
@@ -1404,12 +1407,12 @@
 </p:notes>
 </file>
 
-<file path=ppt/notesSlides/notesSlide5.xml><?xml version="1.0" encoding="utf-8"?>
+<file path=ppt/notesSlides/notesSlide2.xml><?xml version="1.0" encoding="utf-8"?>
 <p:notes xmlns:a="http://schemas.openxmlformats.org/drawingml/2006/main" xmlns:r="http://schemas.openxmlformats.org/officeDocument/2006/relationships" xmlns:mc="http://schemas.openxmlformats.org/markup-compatibility/2006" xmlns:mv="urn:schemas-microsoft-com:mac:vml" xmlns:p="http://schemas.openxmlformats.org/presentationml/2006/main" xmlns:c="http://schemas.openxmlformats.org/drawingml/2006/chart" xmlns:dgm="http://schemas.openxmlformats.org/drawingml/2006/diagram" xmlns:o="urn:schemas-microsoft-com:office:office" xmlns:v="urn:schemas-microsoft-com:vml" xmlns:pvml="urn:schemas-microsoft-com:office:powerpoint" xmlns:com="http://schemas.openxmlformats.org/drawingml/2006/compatibility" xmlns:p14="http://schemas.microsoft.com/office/powerpoint/2010/main" xmlns:p15="http://schemas.microsoft.com/office/powerpoint/2012/main" xmlns:ahyp="http://schemas.microsoft.com/office/drawing/2018/hyperlinkcolor" showMasterPhAnim="0" showMasterSp="0">
   <p:cSld>
     <p:spTree>
       <p:nvGrpSpPr>
-        <p:cNvPr id="79" name="Shape 79"/>
+        <p:cNvPr id="58" name="Shape 58"/>
         <p:cNvGrpSpPr/>
         <p:nvPr/>
       </p:nvGrpSpPr>
@@ -1423,7 +1426,7 @@
       </p:grpSpPr>
       <p:sp>
         <p:nvSpPr>
-          <p:cNvPr id="80" name="Google Shape;80;gb0357c1340_0_66:notes"/>
+          <p:cNvPr id="59" name="Google Shape;59;gb90435f915_0_5:notes"/>
           <p:cNvSpPr/>
           <p:nvPr>
             <p:ph idx="2" type="sldImg"/>
@@ -1458,7 +1461,7 @@
       </p:sp>
       <p:sp>
         <p:nvSpPr>
-          <p:cNvPr id="81" name="Google Shape;81;gb0357c1340_0_66:notes"/>
+          <p:cNvPr id="60" name="Google Shape;60;gb90435f915_0_5:notes"/>
           <p:cNvSpPr txBox="1"/>
           <p:nvPr>
             <p:ph idx="1" type="body"/>
@@ -1503,12 +1506,12 @@
 </p:notes>
 </file>
 
-<file path=ppt/notesSlides/notesSlide6.xml><?xml version="1.0" encoding="utf-8"?>
+<file path=ppt/notesSlides/notesSlide3.xml><?xml version="1.0" encoding="utf-8"?>
 <p:notes xmlns:a="http://schemas.openxmlformats.org/drawingml/2006/main" xmlns:r="http://schemas.openxmlformats.org/officeDocument/2006/relationships" xmlns:mc="http://schemas.openxmlformats.org/markup-compatibility/2006" xmlns:mv="urn:schemas-microsoft-com:mac:vml" xmlns:p="http://schemas.openxmlformats.org/presentationml/2006/main" xmlns:c="http://schemas.openxmlformats.org/drawingml/2006/chart" xmlns:dgm="http://schemas.openxmlformats.org/drawingml/2006/diagram" xmlns:o="urn:schemas-microsoft-com:office:office" xmlns:v="urn:schemas-microsoft-com:vml" xmlns:pvml="urn:schemas-microsoft-com:office:powerpoint" xmlns:com="http://schemas.openxmlformats.org/drawingml/2006/compatibility" xmlns:p14="http://schemas.microsoft.com/office/powerpoint/2010/main" xmlns:p15="http://schemas.microsoft.com/office/powerpoint/2012/main" xmlns:ahyp="http://schemas.microsoft.com/office/drawing/2018/hyperlinkcolor" showMasterPhAnim="0" showMasterSp="0">
   <p:cSld>
     <p:spTree>
       <p:nvGrpSpPr>
-        <p:cNvPr id="86" name="Shape 86"/>
+        <p:cNvPr id="64" name="Shape 64"/>
         <p:cNvGrpSpPr/>
         <p:nvPr/>
       </p:nvGrpSpPr>
@@ -1522,7 +1525,7 @@
       </p:grpSpPr>
       <p:sp>
         <p:nvSpPr>
-          <p:cNvPr id="87" name="Google Shape;87;gb0357c1340_0_104:notes"/>
+          <p:cNvPr id="65" name="Google Shape;65;gb0357c1340_0_48:notes"/>
           <p:cNvSpPr/>
           <p:nvPr>
             <p:ph idx="2" type="sldImg"/>
@@ -1557,7 +1560,7 @@
       </p:sp>
       <p:sp>
         <p:nvSpPr>
-          <p:cNvPr id="88" name="Google Shape;88;gb0357c1340_0_104:notes"/>
+          <p:cNvPr id="66" name="Google Shape;66;gb0357c1340_0_48:notes"/>
           <p:cNvSpPr txBox="1"/>
           <p:nvPr>
             <p:ph idx="1" type="body"/>
@@ -1602,12 +1605,12 @@
 </p:notes>
 </file>
 
-<file path=ppt/notesSlides/notesSlide7.xml><?xml version="1.0" encoding="utf-8"?>
+<file path=ppt/notesSlides/notesSlide4.xml><?xml version="1.0" encoding="utf-8"?>
 <p:notes xmlns:a="http://schemas.openxmlformats.org/drawingml/2006/main" xmlns:r="http://schemas.openxmlformats.org/officeDocument/2006/relationships" xmlns:mc="http://schemas.openxmlformats.org/markup-compatibility/2006" xmlns:mv="urn:schemas-microsoft-com:mac:vml" xmlns:p="http://schemas.openxmlformats.org/presentationml/2006/main" xmlns:c="http://schemas.openxmlformats.org/drawingml/2006/chart" xmlns:dgm="http://schemas.openxmlformats.org/drawingml/2006/diagram" xmlns:o="urn:schemas-microsoft-com:office:office" xmlns:v="urn:schemas-microsoft-com:vml" xmlns:pvml="urn:schemas-microsoft-com:office:powerpoint" xmlns:com="http://schemas.openxmlformats.org/drawingml/2006/compatibility" xmlns:p14="http://schemas.microsoft.com/office/powerpoint/2010/main" xmlns:p15="http://schemas.microsoft.com/office/powerpoint/2012/main" xmlns:ahyp="http://schemas.microsoft.com/office/drawing/2018/hyperlinkcolor" showMasterPhAnim="0" showMasterSp="0">
   <p:cSld>
     <p:spTree>
       <p:nvGrpSpPr>
-        <p:cNvPr id="92" name="Shape 92"/>
+        <p:cNvPr id="71" name="Shape 71"/>
         <p:cNvGrpSpPr/>
         <p:nvPr/>
       </p:nvGrpSpPr>
@@ -1621,7 +1624,7 @@
       </p:grpSpPr>
       <p:sp>
         <p:nvSpPr>
-          <p:cNvPr id="93" name="Google Shape;93;gb0357c1340_0_77:notes"/>
+          <p:cNvPr id="72" name="Google Shape;72;gb0357c1340_0_53:notes"/>
           <p:cNvSpPr/>
           <p:nvPr>
             <p:ph idx="2" type="sldImg"/>
@@ -1656,7 +1659,7 @@
       </p:sp>
       <p:sp>
         <p:nvSpPr>
-          <p:cNvPr id="94" name="Google Shape;94;gb0357c1340_0_77:notes"/>
+          <p:cNvPr id="73" name="Google Shape;73;gb0357c1340_0_53:notes"/>
           <p:cNvSpPr txBox="1"/>
           <p:nvPr>
             <p:ph idx="1" type="body"/>
@@ -1701,12 +1704,12 @@
 </p:notes>
 </file>
 
-<file path=ppt/notesSlides/notesSlide8.xml><?xml version="1.0" encoding="utf-8"?>
+<file path=ppt/notesSlides/notesSlide5.xml><?xml version="1.0" encoding="utf-8"?>
 <p:notes xmlns:a="http://schemas.openxmlformats.org/drawingml/2006/main" xmlns:r="http://schemas.openxmlformats.org/officeDocument/2006/relationships" xmlns:mc="http://schemas.openxmlformats.org/markup-compatibility/2006" xmlns:mv="urn:schemas-microsoft-com:mac:vml" xmlns:p="http://schemas.openxmlformats.org/presentationml/2006/main" xmlns:c="http://schemas.openxmlformats.org/drawingml/2006/chart" xmlns:dgm="http://schemas.openxmlformats.org/drawingml/2006/diagram" xmlns:o="urn:schemas-microsoft-com:office:office" xmlns:v="urn:schemas-microsoft-com:vml" xmlns:pvml="urn:schemas-microsoft-com:office:powerpoint" xmlns:com="http://schemas.openxmlformats.org/drawingml/2006/compatibility" xmlns:p14="http://schemas.microsoft.com/office/powerpoint/2010/main" xmlns:p15="http://schemas.microsoft.com/office/powerpoint/2012/main" xmlns:ahyp="http://schemas.microsoft.com/office/drawing/2018/hyperlinkcolor" showMasterPhAnim="0" showMasterSp="0">
   <p:cSld>
     <p:spTree>
       <p:nvGrpSpPr>
-        <p:cNvPr id="101" name="Shape 101"/>
+        <p:cNvPr id="80" name="Shape 80"/>
         <p:cNvGrpSpPr/>
         <p:nvPr/>
       </p:nvGrpSpPr>
@@ -1720,7 +1723,7 @@
       </p:grpSpPr>
       <p:sp>
         <p:nvSpPr>
-          <p:cNvPr id="102" name="Google Shape;102;gb0357c1340_0_90:notes"/>
+          <p:cNvPr id="81" name="Google Shape;81;gb0357c1340_0_59:notes"/>
           <p:cNvSpPr/>
           <p:nvPr>
             <p:ph idx="2" type="sldImg"/>
@@ -1755,7 +1758,7 @@
       </p:sp>
       <p:sp>
         <p:nvSpPr>
-          <p:cNvPr id="103" name="Google Shape;103;gb0357c1340_0_90:notes"/>
+          <p:cNvPr id="82" name="Google Shape;82;gb0357c1340_0_59:notes"/>
           <p:cNvSpPr txBox="1"/>
           <p:nvPr>
             <p:ph idx="1" type="body"/>
@@ -1800,12 +1803,12 @@
 </p:notes>
 </file>
 
-<file path=ppt/notesSlides/notesSlide9.xml><?xml version="1.0" encoding="utf-8"?>
+<file path=ppt/notesSlides/notesSlide6.xml><?xml version="1.0" encoding="utf-8"?>
 <p:notes xmlns:a="http://schemas.openxmlformats.org/drawingml/2006/main" xmlns:r="http://schemas.openxmlformats.org/officeDocument/2006/relationships" xmlns:mc="http://schemas.openxmlformats.org/markup-compatibility/2006" xmlns:mv="urn:schemas-microsoft-com:mac:vml" xmlns:p="http://schemas.openxmlformats.org/presentationml/2006/main" xmlns:c="http://schemas.openxmlformats.org/drawingml/2006/chart" xmlns:dgm="http://schemas.openxmlformats.org/drawingml/2006/diagram" xmlns:o="urn:schemas-microsoft-com:office:office" xmlns:v="urn:schemas-microsoft-com:vml" xmlns:pvml="urn:schemas-microsoft-com:office:powerpoint" xmlns:com="http://schemas.openxmlformats.org/drawingml/2006/compatibility" xmlns:p14="http://schemas.microsoft.com/office/powerpoint/2010/main" xmlns:p15="http://schemas.microsoft.com/office/powerpoint/2012/main" xmlns:ahyp="http://schemas.microsoft.com/office/drawing/2018/hyperlinkcolor" showMasterPhAnim="0" showMasterSp="0">
   <p:cSld>
     <p:spTree>
       <p:nvGrpSpPr>
-        <p:cNvPr id="109" name="Shape 109"/>
+        <p:cNvPr id="88" name="Shape 88"/>
         <p:cNvGrpSpPr/>
         <p:nvPr/>
       </p:nvGrpSpPr>
@@ -1819,7 +1822,7 @@
       </p:grpSpPr>
       <p:sp>
         <p:nvSpPr>
-          <p:cNvPr id="110" name="Google Shape;110;ga924bb3735_0_0:notes"/>
+          <p:cNvPr id="89" name="Google Shape;89;gb0357c1340_0_66:notes"/>
           <p:cNvSpPr/>
           <p:nvPr>
             <p:ph idx="2" type="sldImg"/>
@@ -1854,7 +1857,304 @@
       </p:sp>
       <p:sp>
         <p:nvSpPr>
-          <p:cNvPr id="111" name="Google Shape;111;ga924bb3735_0_0:notes"/>
+          <p:cNvPr id="90" name="Google Shape;90;gb0357c1340_0_66:notes"/>
+          <p:cNvSpPr txBox="1"/>
+          <p:nvPr>
+            <p:ph idx="1" type="body"/>
+          </p:nvPr>
+        </p:nvSpPr>
+        <p:spPr>
+          <a:xfrm>
+            <a:off x="685800" y="4343400"/>
+            <a:ext cx="5486400" cy="4114800"/>
+          </a:xfrm>
+          <a:prstGeom prst="rect">
+            <a:avLst/>
+          </a:prstGeom>
+        </p:spPr>
+        <p:txBody>
+          <a:bodyPr anchorCtr="0" anchor="t" bIns="91425" lIns="91425" spcFirstLastPara="1" rIns="91425" wrap="square" tIns="91425">
+            <a:noAutofit/>
+          </a:bodyPr>
+          <a:lstStyle/>
+          <a:p>
+            <a:pPr indent="0" lvl="0" marL="0" rtl="0" algn="l">
+              <a:spcBef>
+                <a:spcPts val="0"/>
+              </a:spcBef>
+              <a:spcAft>
+                <a:spcPts val="0"/>
+              </a:spcAft>
+              <a:buNone/>
+            </a:pPr>
+            <a:r>
+              <a:t/>
+            </a:r>
+            <a:endParaRPr/>
+          </a:p>
+        </p:txBody>
+      </p:sp>
+    </p:spTree>
+  </p:cSld>
+  <p:clrMapOvr>
+    <a:masterClrMapping/>
+  </p:clrMapOvr>
+</p:notes>
+</file>
+
+<file path=ppt/notesSlides/notesSlide7.xml><?xml version="1.0" encoding="utf-8"?>
+<p:notes xmlns:a="http://schemas.openxmlformats.org/drawingml/2006/main" xmlns:r="http://schemas.openxmlformats.org/officeDocument/2006/relationships" xmlns:mc="http://schemas.openxmlformats.org/markup-compatibility/2006" xmlns:mv="urn:schemas-microsoft-com:mac:vml" xmlns:p="http://schemas.openxmlformats.org/presentationml/2006/main" xmlns:c="http://schemas.openxmlformats.org/drawingml/2006/chart" xmlns:dgm="http://schemas.openxmlformats.org/drawingml/2006/diagram" xmlns:o="urn:schemas-microsoft-com:office:office" xmlns:v="urn:schemas-microsoft-com:vml" xmlns:pvml="urn:schemas-microsoft-com:office:powerpoint" xmlns:com="http://schemas.openxmlformats.org/drawingml/2006/compatibility" xmlns:p14="http://schemas.microsoft.com/office/powerpoint/2010/main" xmlns:p15="http://schemas.microsoft.com/office/powerpoint/2012/main" xmlns:ahyp="http://schemas.microsoft.com/office/drawing/2018/hyperlinkcolor" showMasterPhAnim="0" showMasterSp="0">
+  <p:cSld>
+    <p:spTree>
+      <p:nvGrpSpPr>
+        <p:cNvPr id="96" name="Shape 96"/>
+        <p:cNvGrpSpPr/>
+        <p:nvPr/>
+      </p:nvGrpSpPr>
+      <p:grpSpPr>
+        <a:xfrm>
+          <a:off x="0" y="0"/>
+          <a:ext cx="0" cy="0"/>
+          <a:chOff x="0" y="0"/>
+          <a:chExt cx="0" cy="0"/>
+        </a:xfrm>
+      </p:grpSpPr>
+      <p:sp>
+        <p:nvSpPr>
+          <p:cNvPr id="97" name="Google Shape;97;gb0357c1340_0_104:notes"/>
+          <p:cNvSpPr/>
+          <p:nvPr>
+            <p:ph idx="2" type="sldImg"/>
+          </p:nvPr>
+        </p:nvSpPr>
+        <p:spPr>
+          <a:xfrm>
+            <a:off x="381300" y="685800"/>
+            <a:ext cx="6096000" cy="3429000"/>
+          </a:xfrm>
+          <a:custGeom>
+            <a:rect b="b" l="l" r="r" t="t"/>
+            <a:pathLst>
+              <a:path extrusionOk="0" h="120000" w="120000">
+                <a:moveTo>
+                  <a:pt x="0" y="0"/>
+                </a:moveTo>
+                <a:lnTo>
+                  <a:pt x="120000" y="0"/>
+                </a:lnTo>
+                <a:lnTo>
+                  <a:pt x="120000" y="120000"/>
+                </a:lnTo>
+                <a:lnTo>
+                  <a:pt x="0" y="120000"/>
+                </a:lnTo>
+                <a:close/>
+              </a:path>
+            </a:pathLst>
+          </a:custGeom>
+        </p:spPr>
+      </p:sp>
+      <p:sp>
+        <p:nvSpPr>
+          <p:cNvPr id="98" name="Google Shape;98;gb0357c1340_0_104:notes"/>
+          <p:cNvSpPr txBox="1"/>
+          <p:nvPr>
+            <p:ph idx="1" type="body"/>
+          </p:nvPr>
+        </p:nvSpPr>
+        <p:spPr>
+          <a:xfrm>
+            <a:off x="685800" y="4343400"/>
+            <a:ext cx="5486400" cy="4114800"/>
+          </a:xfrm>
+          <a:prstGeom prst="rect">
+            <a:avLst/>
+          </a:prstGeom>
+        </p:spPr>
+        <p:txBody>
+          <a:bodyPr anchorCtr="0" anchor="t" bIns="91425" lIns="91425" spcFirstLastPara="1" rIns="91425" wrap="square" tIns="91425">
+            <a:noAutofit/>
+          </a:bodyPr>
+          <a:lstStyle/>
+          <a:p>
+            <a:pPr indent="0" lvl="0" marL="0" rtl="0" algn="l">
+              <a:spcBef>
+                <a:spcPts val="0"/>
+              </a:spcBef>
+              <a:spcAft>
+                <a:spcPts val="0"/>
+              </a:spcAft>
+              <a:buNone/>
+            </a:pPr>
+            <a:r>
+              <a:t/>
+            </a:r>
+            <a:endParaRPr/>
+          </a:p>
+        </p:txBody>
+      </p:sp>
+    </p:spTree>
+  </p:cSld>
+  <p:clrMapOvr>
+    <a:masterClrMapping/>
+  </p:clrMapOvr>
+</p:notes>
+</file>
+
+<file path=ppt/notesSlides/notesSlide8.xml><?xml version="1.0" encoding="utf-8"?>
+<p:notes xmlns:a="http://schemas.openxmlformats.org/drawingml/2006/main" xmlns:r="http://schemas.openxmlformats.org/officeDocument/2006/relationships" xmlns:mc="http://schemas.openxmlformats.org/markup-compatibility/2006" xmlns:mv="urn:schemas-microsoft-com:mac:vml" xmlns:p="http://schemas.openxmlformats.org/presentationml/2006/main" xmlns:c="http://schemas.openxmlformats.org/drawingml/2006/chart" xmlns:dgm="http://schemas.openxmlformats.org/drawingml/2006/diagram" xmlns:o="urn:schemas-microsoft-com:office:office" xmlns:v="urn:schemas-microsoft-com:vml" xmlns:pvml="urn:schemas-microsoft-com:office:powerpoint" xmlns:com="http://schemas.openxmlformats.org/drawingml/2006/compatibility" xmlns:p14="http://schemas.microsoft.com/office/powerpoint/2010/main" xmlns:p15="http://schemas.microsoft.com/office/powerpoint/2012/main" xmlns:ahyp="http://schemas.microsoft.com/office/drawing/2018/hyperlinkcolor" showMasterPhAnim="0" showMasterSp="0">
+  <p:cSld>
+    <p:spTree>
+      <p:nvGrpSpPr>
+        <p:cNvPr id="102" name="Shape 102"/>
+        <p:cNvGrpSpPr/>
+        <p:nvPr/>
+      </p:nvGrpSpPr>
+      <p:grpSpPr>
+        <a:xfrm>
+          <a:off x="0" y="0"/>
+          <a:ext cx="0" cy="0"/>
+          <a:chOff x="0" y="0"/>
+          <a:chExt cx="0" cy="0"/>
+        </a:xfrm>
+      </p:grpSpPr>
+      <p:sp>
+        <p:nvSpPr>
+          <p:cNvPr id="103" name="Google Shape;103;gb90435f915_0_12:notes"/>
+          <p:cNvSpPr/>
+          <p:nvPr>
+            <p:ph idx="2" type="sldImg"/>
+          </p:nvPr>
+        </p:nvSpPr>
+        <p:spPr>
+          <a:xfrm>
+            <a:off x="381300" y="685800"/>
+            <a:ext cx="6096000" cy="3429000"/>
+          </a:xfrm>
+          <a:custGeom>
+            <a:rect b="b" l="l" r="r" t="t"/>
+            <a:pathLst>
+              <a:path extrusionOk="0" h="120000" w="120000">
+                <a:moveTo>
+                  <a:pt x="0" y="0"/>
+                </a:moveTo>
+                <a:lnTo>
+                  <a:pt x="120000" y="0"/>
+                </a:lnTo>
+                <a:lnTo>
+                  <a:pt x="120000" y="120000"/>
+                </a:lnTo>
+                <a:lnTo>
+                  <a:pt x="0" y="120000"/>
+                </a:lnTo>
+                <a:close/>
+              </a:path>
+            </a:pathLst>
+          </a:custGeom>
+        </p:spPr>
+      </p:sp>
+      <p:sp>
+        <p:nvSpPr>
+          <p:cNvPr id="104" name="Google Shape;104;gb90435f915_0_12:notes"/>
+          <p:cNvSpPr txBox="1"/>
+          <p:nvPr>
+            <p:ph idx="1" type="body"/>
+          </p:nvPr>
+        </p:nvSpPr>
+        <p:spPr>
+          <a:xfrm>
+            <a:off x="685800" y="4343400"/>
+            <a:ext cx="5486400" cy="4114800"/>
+          </a:xfrm>
+          <a:prstGeom prst="rect">
+            <a:avLst/>
+          </a:prstGeom>
+        </p:spPr>
+        <p:txBody>
+          <a:bodyPr anchorCtr="0" anchor="t" bIns="91425" lIns="91425" spcFirstLastPara="1" rIns="91425" wrap="square" tIns="91425">
+            <a:noAutofit/>
+          </a:bodyPr>
+          <a:lstStyle/>
+          <a:p>
+            <a:pPr indent="0" lvl="0" marL="0" rtl="0" algn="l">
+              <a:spcBef>
+                <a:spcPts val="0"/>
+              </a:spcBef>
+              <a:spcAft>
+                <a:spcPts val="0"/>
+              </a:spcAft>
+              <a:buNone/>
+            </a:pPr>
+            <a:r>
+              <a:t/>
+            </a:r>
+            <a:endParaRPr/>
+          </a:p>
+        </p:txBody>
+      </p:sp>
+    </p:spTree>
+  </p:cSld>
+  <p:clrMapOvr>
+    <a:masterClrMapping/>
+  </p:clrMapOvr>
+</p:notes>
+</file>
+
+<file path=ppt/notesSlides/notesSlide9.xml><?xml version="1.0" encoding="utf-8"?>
+<p:notes xmlns:a="http://schemas.openxmlformats.org/drawingml/2006/main" xmlns:r="http://schemas.openxmlformats.org/officeDocument/2006/relationships" xmlns:mc="http://schemas.openxmlformats.org/markup-compatibility/2006" xmlns:mv="urn:schemas-microsoft-com:mac:vml" xmlns:p="http://schemas.openxmlformats.org/presentationml/2006/main" xmlns:c="http://schemas.openxmlformats.org/drawingml/2006/chart" xmlns:dgm="http://schemas.openxmlformats.org/drawingml/2006/diagram" xmlns:o="urn:schemas-microsoft-com:office:office" xmlns:v="urn:schemas-microsoft-com:vml" xmlns:pvml="urn:schemas-microsoft-com:office:powerpoint" xmlns:com="http://schemas.openxmlformats.org/drawingml/2006/compatibility" xmlns:p14="http://schemas.microsoft.com/office/powerpoint/2010/main" xmlns:p15="http://schemas.microsoft.com/office/powerpoint/2012/main" xmlns:ahyp="http://schemas.microsoft.com/office/drawing/2018/hyperlinkcolor" showMasterPhAnim="0" showMasterSp="0">
+  <p:cSld>
+    <p:spTree>
+      <p:nvGrpSpPr>
+        <p:cNvPr id="110" name="Shape 110"/>
+        <p:cNvGrpSpPr/>
+        <p:nvPr/>
+      </p:nvGrpSpPr>
+      <p:grpSpPr>
+        <a:xfrm>
+          <a:off x="0" y="0"/>
+          <a:ext cx="0" cy="0"/>
+          <a:chOff x="0" y="0"/>
+          <a:chExt cx="0" cy="0"/>
+        </a:xfrm>
+      </p:grpSpPr>
+      <p:sp>
+        <p:nvSpPr>
+          <p:cNvPr id="111" name="Google Shape;111;gb90435f915_0_21:notes"/>
+          <p:cNvSpPr/>
+          <p:nvPr>
+            <p:ph idx="2" type="sldImg"/>
+          </p:nvPr>
+        </p:nvSpPr>
+        <p:spPr>
+          <a:xfrm>
+            <a:off x="381300" y="685800"/>
+            <a:ext cx="6096000" cy="3429000"/>
+          </a:xfrm>
+          <a:custGeom>
+            <a:rect b="b" l="l" r="r" t="t"/>
+            <a:pathLst>
+              <a:path extrusionOk="0" h="120000" w="120000">
+                <a:moveTo>
+                  <a:pt x="0" y="0"/>
+                </a:moveTo>
+                <a:lnTo>
+                  <a:pt x="120000" y="0"/>
+                </a:lnTo>
+                <a:lnTo>
+                  <a:pt x="120000" y="120000"/>
+                </a:lnTo>
+                <a:lnTo>
+                  <a:pt x="0" y="120000"/>
+                </a:lnTo>
+                <a:close/>
+              </a:path>
+            </a:pathLst>
+          </a:custGeom>
+        </p:spPr>
+      </p:sp>
+      <p:sp>
+        <p:nvSpPr>
+          <p:cNvPr id="112" name="Google Shape;112;gb90435f915_0_21:notes"/>
           <p:cNvSpPr txBox="1"/>
           <p:nvPr>
             <p:ph idx="1" type="body"/>
@@ -7314,7 +7614,7 @@
         </p:nvSpPr>
         <p:spPr>
           <a:xfrm>
-            <a:off x="311700" y="3890400"/>
+            <a:off x="311700" y="3880350"/>
             <a:ext cx="8520600" cy="706200"/>
           </a:xfrm>
           <a:prstGeom prst="rect">
@@ -7338,7 +7638,7 @@
             </a:pPr>
             <a:r>
               <a:rPr lang="es"/>
-              <a:t>Fecha:</a:t>
+              <a:t>Fecha: 28-01-2021</a:t>
             </a:r>
             <a:endParaRPr/>
           </a:p>
@@ -7357,7 +7657,7 @@
   <p:cSld>
     <p:spTree>
       <p:nvGrpSpPr>
-        <p:cNvPr id="118" name="Shape 118"/>
+        <p:cNvPr id="122" name="Shape 122"/>
         <p:cNvGrpSpPr/>
         <p:nvPr/>
       </p:nvGrpSpPr>
@@ -7371,7 +7671,7 @@
       </p:grpSpPr>
       <p:sp>
         <p:nvSpPr>
-          <p:cNvPr id="119" name="Google Shape;119;p22"/>
+          <p:cNvPr id="123" name="Google Shape;123;p22"/>
           <p:cNvSpPr txBox="1"/>
           <p:nvPr>
             <p:ph type="title"/>
@@ -7403,7 +7703,7 @@
             </a:pPr>
             <a:r>
               <a:rPr lang="es"/>
-              <a:t>roc </a:t>
+              <a:t>F-1 MEASURE</a:t>
             </a:r>
             <a:endParaRPr/>
           </a:p>
@@ -7411,7 +7711,7 @@
       </p:sp>
       <p:sp>
         <p:nvSpPr>
-          <p:cNvPr id="120" name="Google Shape;120;p22"/>
+          <p:cNvPr id="124" name="Google Shape;124;p22"/>
           <p:cNvSpPr txBox="1"/>
           <p:nvPr>
             <p:ph idx="1" type="body"/>
@@ -7420,6 +7720,484 @@
         <p:spPr>
           <a:xfrm>
             <a:off x="311700" y="1228675"/>
+            <a:ext cx="8520600" cy="3340200"/>
+          </a:xfrm>
+          <a:prstGeom prst="rect">
+            <a:avLst/>
+          </a:prstGeom>
+        </p:spPr>
+        <p:txBody>
+          <a:bodyPr anchorCtr="0" anchor="t" bIns="91425" lIns="91425" spcFirstLastPara="1" rIns="91425" wrap="square" tIns="91425">
+            <a:noAutofit/>
+          </a:bodyPr>
+          <a:lstStyle/>
+          <a:p>
+            <a:pPr indent="0" lvl="0" marL="0" rtl="0" algn="l">
+              <a:spcBef>
+                <a:spcPts val="0"/>
+              </a:spcBef>
+              <a:spcAft>
+                <a:spcPts val="0"/>
+              </a:spcAft>
+              <a:buNone/>
+            </a:pPr>
+            <a:r>
+              <a:rPr lang="es"/>
+              <a:t>Es la media armónica media armónica entre precisión y sensitividad.</a:t>
+            </a:r>
+            <a:endParaRPr/>
+          </a:p>
+          <a:p>
+            <a:pPr indent="0" lvl="0" marL="0" rtl="0" algn="l">
+              <a:spcBef>
+                <a:spcPts val="1600"/>
+              </a:spcBef>
+              <a:spcAft>
+                <a:spcPts val="0"/>
+              </a:spcAft>
+              <a:buNone/>
+            </a:pPr>
+            <a:r>
+              <a:t/>
+            </a:r>
+            <a:endParaRPr/>
+          </a:p>
+          <a:p>
+            <a:pPr indent="0" lvl="0" marL="0" rtl="0" algn="l">
+              <a:spcBef>
+                <a:spcPts val="1600"/>
+              </a:spcBef>
+              <a:spcAft>
+                <a:spcPts val="0"/>
+              </a:spcAft>
+              <a:buNone/>
+            </a:pPr>
+            <a:r>
+              <a:t/>
+            </a:r>
+            <a:endParaRPr/>
+          </a:p>
+          <a:p>
+            <a:pPr indent="0" lvl="0" marL="0" rtl="0" algn="l">
+              <a:spcBef>
+                <a:spcPts val="1600"/>
+              </a:spcBef>
+              <a:spcAft>
+                <a:spcPts val="0"/>
+              </a:spcAft>
+              <a:buNone/>
+            </a:pPr>
+            <a:r>
+              <a:t/>
+            </a:r>
+            <a:endParaRPr/>
+          </a:p>
+          <a:p>
+            <a:pPr indent="0" lvl="0" marL="0" rtl="0" algn="l">
+              <a:lnSpc>
+                <a:spcPct val="135714"/>
+              </a:lnSpc>
+              <a:spcBef>
+                <a:spcPts val="1600"/>
+              </a:spcBef>
+              <a:spcAft>
+                <a:spcPts val="0"/>
+              </a:spcAft>
+              <a:buNone/>
+            </a:pPr>
+            <a:r>
+              <a:rPr lang="es" sz="1050">
+                <a:solidFill>
+                  <a:srgbClr val="AF00DB"/>
+                </a:solidFill>
+                <a:highlight>
+                  <a:srgbClr val="FFFFFE"/>
+                </a:highlight>
+                <a:latin typeface="Courier New"/>
+                <a:ea typeface="Courier New"/>
+                <a:cs typeface="Courier New"/>
+                <a:sym typeface="Courier New"/>
+              </a:rPr>
+              <a:t>from</a:t>
+            </a:r>
+            <a:r>
+              <a:rPr lang="es" sz="1050">
+                <a:solidFill>
+                  <a:srgbClr val="000000"/>
+                </a:solidFill>
+                <a:highlight>
+                  <a:srgbClr val="FFFFFE"/>
+                </a:highlight>
+                <a:latin typeface="Courier New"/>
+                <a:ea typeface="Courier New"/>
+                <a:cs typeface="Courier New"/>
+                <a:sym typeface="Courier New"/>
+              </a:rPr>
+              <a:t> sklearn.metrics </a:t>
+            </a:r>
+            <a:r>
+              <a:rPr lang="es" sz="1050">
+                <a:solidFill>
+                  <a:srgbClr val="AF00DB"/>
+                </a:solidFill>
+                <a:highlight>
+                  <a:srgbClr val="FFFFFE"/>
+                </a:highlight>
+                <a:latin typeface="Courier New"/>
+                <a:ea typeface="Courier New"/>
+                <a:cs typeface="Courier New"/>
+                <a:sym typeface="Courier New"/>
+              </a:rPr>
+              <a:t>import</a:t>
+            </a:r>
+            <a:r>
+              <a:rPr lang="es" sz="1050">
+                <a:solidFill>
+                  <a:srgbClr val="000000"/>
+                </a:solidFill>
+                <a:highlight>
+                  <a:srgbClr val="FFFFFE"/>
+                </a:highlight>
+                <a:latin typeface="Courier New"/>
+                <a:ea typeface="Courier New"/>
+                <a:cs typeface="Courier New"/>
+                <a:sym typeface="Courier New"/>
+              </a:rPr>
+              <a:t> f1_score</a:t>
+            </a:r>
+            <a:endParaRPr sz="1050">
+              <a:solidFill>
+                <a:srgbClr val="000000"/>
+              </a:solidFill>
+              <a:highlight>
+                <a:srgbClr val="FFFFFE"/>
+              </a:highlight>
+              <a:latin typeface="Courier New"/>
+              <a:ea typeface="Courier New"/>
+              <a:cs typeface="Courier New"/>
+              <a:sym typeface="Courier New"/>
+            </a:endParaRPr>
+          </a:p>
+          <a:p>
+            <a:pPr indent="0" lvl="0" marL="0" rtl="0" algn="l">
+              <a:lnSpc>
+                <a:spcPct val="135714"/>
+              </a:lnSpc>
+              <a:spcBef>
+                <a:spcPts val="0"/>
+              </a:spcBef>
+              <a:spcAft>
+                <a:spcPts val="0"/>
+              </a:spcAft>
+              <a:buNone/>
+            </a:pPr>
+            <a:r>
+              <a:rPr lang="es" sz="1050">
+                <a:solidFill>
+                  <a:srgbClr val="000000"/>
+                </a:solidFill>
+                <a:highlight>
+                  <a:srgbClr val="FFFFFE"/>
+                </a:highlight>
+                <a:latin typeface="Courier New"/>
+                <a:ea typeface="Courier New"/>
+                <a:cs typeface="Courier New"/>
+                <a:sym typeface="Courier New"/>
+              </a:rPr>
+              <a:t>F= f1_score(y_test, y_pred)</a:t>
+            </a:r>
+            <a:endParaRPr sz="1050">
+              <a:solidFill>
+                <a:srgbClr val="000000"/>
+              </a:solidFill>
+              <a:highlight>
+                <a:srgbClr val="FFFFFE"/>
+              </a:highlight>
+              <a:latin typeface="Courier New"/>
+              <a:ea typeface="Courier New"/>
+              <a:cs typeface="Courier New"/>
+              <a:sym typeface="Courier New"/>
+            </a:endParaRPr>
+          </a:p>
+          <a:p>
+            <a:pPr indent="0" lvl="0" marL="0" rtl="0" algn="l">
+              <a:lnSpc>
+                <a:spcPct val="135714"/>
+              </a:lnSpc>
+              <a:spcBef>
+                <a:spcPts val="0"/>
+              </a:spcBef>
+              <a:spcAft>
+                <a:spcPts val="0"/>
+              </a:spcAft>
+              <a:buNone/>
+            </a:pPr>
+            <a:r>
+              <a:rPr lang="es" sz="1050">
+                <a:solidFill>
+                  <a:srgbClr val="000000"/>
+                </a:solidFill>
+                <a:highlight>
+                  <a:srgbClr val="FFFFFE"/>
+                </a:highlight>
+                <a:latin typeface="Courier New"/>
+                <a:ea typeface="Courier New"/>
+                <a:cs typeface="Courier New"/>
+                <a:sym typeface="Courier New"/>
+              </a:rPr>
+              <a:t>print(F)</a:t>
+            </a:r>
+            <a:endParaRPr/>
+          </a:p>
+        </p:txBody>
+      </p:sp>
+      <p:pic>
+        <p:nvPicPr>
+          <p:cNvPr id="125" name="Google Shape;125;p22"/>
+          <p:cNvPicPr preferRelativeResize="0"/>
+          <p:nvPr/>
+        </p:nvPicPr>
+        <p:blipFill rotWithShape="1">
+          <a:blip r:embed="rId3">
+            <a:alphaModFix/>
+          </a:blip>
+          <a:srcRect b="20779" l="35152" r="34415" t="67155"/>
+          <a:stretch/>
+        </p:blipFill>
+        <p:spPr>
+          <a:xfrm>
+            <a:off x="2574500" y="2310550"/>
+            <a:ext cx="3378802" cy="753451"/>
+          </a:xfrm>
+          <a:prstGeom prst="rect">
+            <a:avLst/>
+          </a:prstGeom>
+          <a:noFill/>
+          <a:ln>
+            <a:noFill/>
+          </a:ln>
+        </p:spPr>
+      </p:pic>
+    </p:spTree>
+  </p:cSld>
+  <p:clrMapOvr>
+    <a:masterClrMapping/>
+  </p:clrMapOvr>
+</p:sld>
+</file>
+
+<file path=ppt/slides/slide11.xml><?xml version="1.0" encoding="utf-8"?>
+<p:sld xmlns:a="http://schemas.openxmlformats.org/drawingml/2006/main" xmlns:r="http://schemas.openxmlformats.org/officeDocument/2006/relationships" xmlns:mc="http://schemas.openxmlformats.org/markup-compatibility/2006" xmlns:mv="urn:schemas-microsoft-com:mac:vml" xmlns:p="http://schemas.openxmlformats.org/presentationml/2006/main" xmlns:c="http://schemas.openxmlformats.org/drawingml/2006/chart" xmlns:dgm="http://schemas.openxmlformats.org/drawingml/2006/diagram" xmlns:o="urn:schemas-microsoft-com:office:office" xmlns:v="urn:schemas-microsoft-com:vml" xmlns:pvml="urn:schemas-microsoft-com:office:powerpoint" xmlns:com="http://schemas.openxmlformats.org/drawingml/2006/compatibility" xmlns:p14="http://schemas.microsoft.com/office/powerpoint/2010/main" xmlns:p15="http://schemas.microsoft.com/office/powerpoint/2012/main" xmlns:ahyp="http://schemas.microsoft.com/office/drawing/2018/hyperlinkcolor">
+  <p:cSld>
+    <p:spTree>
+      <p:nvGrpSpPr>
+        <p:cNvPr id="129" name="Shape 129"/>
+        <p:cNvGrpSpPr/>
+        <p:nvPr/>
+      </p:nvGrpSpPr>
+      <p:grpSpPr>
+        <a:xfrm>
+          <a:off x="0" y="0"/>
+          <a:ext cx="0" cy="0"/>
+          <a:chOff x="0" y="0"/>
+          <a:chExt cx="0" cy="0"/>
+        </a:xfrm>
+      </p:grpSpPr>
+      <p:sp>
+        <p:nvSpPr>
+          <p:cNvPr id="130" name="Google Shape;130;p23"/>
+          <p:cNvSpPr txBox="1"/>
+          <p:nvPr>
+            <p:ph type="title"/>
+          </p:nvPr>
+        </p:nvSpPr>
+        <p:spPr>
+          <a:xfrm>
+            <a:off x="311700" y="292850"/>
+            <a:ext cx="8520600" cy="801000"/>
+          </a:xfrm>
+          <a:prstGeom prst="rect">
+            <a:avLst/>
+          </a:prstGeom>
+        </p:spPr>
+        <p:txBody>
+          <a:bodyPr anchorCtr="0" anchor="t" bIns="91425" lIns="91425" spcFirstLastPara="1" rIns="91425" wrap="square" tIns="91425">
+            <a:noAutofit/>
+          </a:bodyPr>
+          <a:lstStyle/>
+          <a:p>
+            <a:pPr indent="0" lvl="0" marL="0" rtl="0" algn="l">
+              <a:spcBef>
+                <a:spcPts val="0"/>
+              </a:spcBef>
+              <a:spcAft>
+                <a:spcPts val="0"/>
+              </a:spcAft>
+              <a:buNone/>
+            </a:pPr>
+            <a:r>
+              <a:rPr lang="es"/>
+              <a:t>EJemplo notebook</a:t>
+            </a:r>
+            <a:endParaRPr/>
+          </a:p>
+        </p:txBody>
+      </p:sp>
+      <p:sp>
+        <p:nvSpPr>
+          <p:cNvPr id="131" name="Google Shape;131;p23"/>
+          <p:cNvSpPr txBox="1"/>
+          <p:nvPr>
+            <p:ph idx="1" type="body"/>
+          </p:nvPr>
+        </p:nvSpPr>
+        <p:spPr>
+          <a:xfrm>
+            <a:off x="311700" y="1228675"/>
+            <a:ext cx="8520600" cy="3340200"/>
+          </a:xfrm>
+          <a:prstGeom prst="rect">
+            <a:avLst/>
+          </a:prstGeom>
+        </p:spPr>
+        <p:txBody>
+          <a:bodyPr anchorCtr="0" anchor="t" bIns="91425" lIns="91425" spcFirstLastPara="1" rIns="91425" wrap="square" tIns="91425">
+            <a:noAutofit/>
+          </a:bodyPr>
+          <a:lstStyle/>
+          <a:p>
+            <a:pPr indent="0" lvl="0" marL="0" rtl="0" algn="l">
+              <a:spcBef>
+                <a:spcPts val="0"/>
+              </a:spcBef>
+              <a:spcAft>
+                <a:spcPts val="0"/>
+              </a:spcAft>
+              <a:buNone/>
+            </a:pPr>
+            <a:r>
+              <a:rPr lang="es"/>
+              <a:t>Consiste de una clasificación con árboles de </a:t>
+            </a:r>
+            <a:r>
+              <a:rPr lang="es"/>
+              <a:t>decisión con el IRIS dataset. El objetivo de este ejercicio no se enfoca en la clasificación, sino en la visualización y análisis de las métricas mencionadas. </a:t>
+            </a:r>
+            <a:endParaRPr/>
+          </a:p>
+          <a:p>
+            <a:pPr indent="0" lvl="0" marL="0" rtl="0" algn="l">
+              <a:spcBef>
+                <a:spcPts val="1600"/>
+              </a:spcBef>
+              <a:spcAft>
+                <a:spcPts val="0"/>
+              </a:spcAft>
+              <a:buNone/>
+            </a:pPr>
+            <a:r>
+              <a:rPr lang="es"/>
+              <a:t>Se crearon funciones para visualizar la Matriz de Confusión y las demás métricas, estas funciones se usarán en los siguientes temas.</a:t>
+            </a:r>
+            <a:r>
+              <a:rPr lang="es"/>
+              <a:t> </a:t>
+            </a:r>
+            <a:endParaRPr/>
+          </a:p>
+          <a:p>
+            <a:pPr indent="0" lvl="0" marL="0" rtl="0" algn="l">
+              <a:spcBef>
+                <a:spcPts val="1600"/>
+              </a:spcBef>
+              <a:spcAft>
+                <a:spcPts val="1600"/>
+              </a:spcAft>
+              <a:buNone/>
+            </a:pPr>
+            <a:r>
+              <a:t/>
+            </a:r>
+            <a:endParaRPr/>
+          </a:p>
+        </p:txBody>
+      </p:sp>
+    </p:spTree>
+  </p:cSld>
+  <p:clrMapOvr>
+    <a:masterClrMapping/>
+  </p:clrMapOvr>
+</p:sld>
+</file>
+
+<file path=ppt/slides/slide12.xml><?xml version="1.0" encoding="utf-8"?>
+<p:sld xmlns:a="http://schemas.openxmlformats.org/drawingml/2006/main" xmlns:r="http://schemas.openxmlformats.org/officeDocument/2006/relationships" xmlns:mc="http://schemas.openxmlformats.org/markup-compatibility/2006" xmlns:mv="urn:schemas-microsoft-com:mac:vml" xmlns:p="http://schemas.openxmlformats.org/presentationml/2006/main" xmlns:c="http://schemas.openxmlformats.org/drawingml/2006/chart" xmlns:dgm="http://schemas.openxmlformats.org/drawingml/2006/diagram" xmlns:o="urn:schemas-microsoft-com:office:office" xmlns:v="urn:schemas-microsoft-com:vml" xmlns:pvml="urn:schemas-microsoft-com:office:powerpoint" xmlns:com="http://schemas.openxmlformats.org/drawingml/2006/compatibility" xmlns:p14="http://schemas.microsoft.com/office/powerpoint/2010/main" xmlns:p15="http://schemas.microsoft.com/office/powerpoint/2012/main" xmlns:ahyp="http://schemas.microsoft.com/office/drawing/2018/hyperlinkcolor">
+  <p:cSld>
+    <p:spTree>
+      <p:nvGrpSpPr>
+        <p:cNvPr id="135" name="Shape 135"/>
+        <p:cNvGrpSpPr/>
+        <p:nvPr/>
+      </p:nvGrpSpPr>
+      <p:grpSpPr>
+        <a:xfrm>
+          <a:off x="0" y="0"/>
+          <a:ext cx="0" cy="0"/>
+          <a:chOff x="0" y="0"/>
+          <a:chExt cx="0" cy="0"/>
+        </a:xfrm>
+      </p:grpSpPr>
+      <p:sp>
+        <p:nvSpPr>
+          <p:cNvPr id="136" name="Google Shape;136;p24"/>
+          <p:cNvSpPr txBox="1"/>
+          <p:nvPr>
+            <p:ph type="title"/>
+          </p:nvPr>
+        </p:nvSpPr>
+        <p:spPr>
+          <a:xfrm>
+            <a:off x="311700" y="292850"/>
+            <a:ext cx="8520600" cy="801000"/>
+          </a:xfrm>
+          <a:prstGeom prst="rect">
+            <a:avLst/>
+          </a:prstGeom>
+        </p:spPr>
+        <p:txBody>
+          <a:bodyPr anchorCtr="0" anchor="t" bIns="91425" lIns="91425" spcFirstLastPara="1" rIns="91425" wrap="square" tIns="91425">
+            <a:noAutofit/>
+          </a:bodyPr>
+          <a:lstStyle/>
+          <a:p>
+            <a:pPr indent="0" lvl="0" marL="0" rtl="0" algn="l">
+              <a:spcBef>
+                <a:spcPts val="0"/>
+              </a:spcBef>
+              <a:spcAft>
+                <a:spcPts val="0"/>
+              </a:spcAft>
+              <a:buNone/>
+            </a:pPr>
+            <a:r>
+              <a:rPr lang="es"/>
+              <a:t>roc </a:t>
+            </a:r>
+            <a:endParaRPr/>
+          </a:p>
+        </p:txBody>
+      </p:sp>
+      <p:sp>
+        <p:nvSpPr>
+          <p:cNvPr id="137" name="Google Shape;137;p24"/>
+          <p:cNvSpPr txBox="1"/>
+          <p:nvPr>
+            <p:ph idx="1" type="body"/>
+          </p:nvPr>
+        </p:nvSpPr>
+        <p:spPr>
+          <a:xfrm>
+            <a:off x="311700" y="1178450"/>
             <a:ext cx="5293800" cy="3340200"/>
           </a:xfrm>
           <a:prstGeom prst="rect">
@@ -7480,11 +8258,36 @@
             </a:r>
             <a:endParaRPr sz="1500"/>
           </a:p>
+          <a:p>
+            <a:pPr indent="-323850" lvl="0" marL="457200" rtl="0" algn="l">
+              <a:spcBef>
+                <a:spcPts val="0"/>
+              </a:spcBef>
+              <a:spcAft>
+                <a:spcPts val="0"/>
+              </a:spcAft>
+              <a:buSzPts val="1500"/>
+              <a:buChar char="●"/>
+            </a:pPr>
+            <a:r>
+              <a:rPr lang="es" sz="1500"/>
+              <a:t>La línea a 45° </a:t>
+            </a:r>
+            <a:r>
+              <a:rPr lang="es" sz="1500"/>
+              <a:t>corresponde</a:t>
+            </a:r>
+            <a:r>
+              <a:rPr lang="es" sz="1500"/>
+              <a:t> a un clasificador aleatorio. </a:t>
+            </a:r>
+            <a:endParaRPr sz="1500"/>
+          </a:p>
         </p:txBody>
       </p:sp>
       <p:pic>
         <p:nvPicPr>
-          <p:cNvPr id="121" name="Google Shape;121;p22"/>
+          <p:cNvPr id="138" name="Google Shape;138;p24"/>
           <p:cNvPicPr preferRelativeResize="0"/>
           <p:nvPr/>
         </p:nvPicPr>
@@ -7518,12 +8321,12 @@
 </p:sld>
 </file>
 
-<file path=ppt/slides/slide11.xml><?xml version="1.0" encoding="utf-8"?>
+<file path=ppt/slides/slide13.xml><?xml version="1.0" encoding="utf-8"?>
 <p:sld xmlns:a="http://schemas.openxmlformats.org/drawingml/2006/main" xmlns:r="http://schemas.openxmlformats.org/officeDocument/2006/relationships" xmlns:mc="http://schemas.openxmlformats.org/markup-compatibility/2006" xmlns:mv="urn:schemas-microsoft-com:mac:vml" xmlns:p="http://schemas.openxmlformats.org/presentationml/2006/main" xmlns:c="http://schemas.openxmlformats.org/drawingml/2006/chart" xmlns:dgm="http://schemas.openxmlformats.org/drawingml/2006/diagram" xmlns:o="urn:schemas-microsoft-com:office:office" xmlns:v="urn:schemas-microsoft-com:vml" xmlns:pvml="urn:schemas-microsoft-com:office:powerpoint" xmlns:com="http://schemas.openxmlformats.org/drawingml/2006/compatibility" xmlns:p14="http://schemas.microsoft.com/office/powerpoint/2010/main" xmlns:p15="http://schemas.microsoft.com/office/powerpoint/2012/main" xmlns:ahyp="http://schemas.microsoft.com/office/drawing/2018/hyperlinkcolor">
   <p:cSld>
     <p:spTree>
       <p:nvGrpSpPr>
-        <p:cNvPr id="125" name="Shape 125"/>
+        <p:cNvPr id="142" name="Shape 142"/>
         <p:cNvGrpSpPr/>
         <p:nvPr/>
       </p:nvGrpSpPr>
@@ -7537,7 +8340,7 @@
       </p:grpSpPr>
       <p:sp>
         <p:nvSpPr>
-          <p:cNvPr id="126" name="Google Shape;126;p23"/>
+          <p:cNvPr id="143" name="Google Shape;143;p25"/>
           <p:cNvSpPr txBox="1"/>
           <p:nvPr>
             <p:ph type="title"/>
@@ -7568,8 +8371,7 @@
               <a:buNone/>
             </a:pPr>
             <a:r>
-              <a:rPr lang="es"/>
-              <a:t>Desbalance de clases </a:t>
+              <a:t/>
             </a:r>
             <a:endParaRPr/>
           </a:p>
@@ -7577,7 +8379,139 @@
       </p:sp>
       <p:sp>
         <p:nvSpPr>
-          <p:cNvPr id="127" name="Google Shape;127;p23"/>
+          <p:cNvPr id="144" name="Google Shape;144;p25"/>
+          <p:cNvSpPr txBox="1"/>
+          <p:nvPr>
+            <p:ph idx="1" type="body"/>
+          </p:nvPr>
+        </p:nvSpPr>
+        <p:spPr>
+          <a:xfrm>
+            <a:off x="311700" y="1228675"/>
+            <a:ext cx="8520600" cy="3340200"/>
+          </a:xfrm>
+          <a:prstGeom prst="rect">
+            <a:avLst/>
+          </a:prstGeom>
+        </p:spPr>
+        <p:txBody>
+          <a:bodyPr anchorCtr="0" anchor="t" bIns="91425" lIns="91425" spcFirstLastPara="1" rIns="91425" wrap="square" tIns="91425">
+            <a:noAutofit/>
+          </a:bodyPr>
+          <a:lstStyle/>
+          <a:p>
+            <a:pPr indent="0" lvl="0" marL="0" rtl="0" algn="l">
+              <a:spcBef>
+                <a:spcPts val="0"/>
+              </a:spcBef>
+              <a:spcAft>
+                <a:spcPts val="1600"/>
+              </a:spcAft>
+              <a:buNone/>
+            </a:pPr>
+            <a:r>
+              <a:t/>
+            </a:r>
+            <a:endParaRPr/>
+          </a:p>
+        </p:txBody>
+      </p:sp>
+      <p:pic>
+        <p:nvPicPr>
+          <p:cNvPr id="145" name="Google Shape;145;p25"/>
+          <p:cNvPicPr preferRelativeResize="0"/>
+          <p:nvPr/>
+        </p:nvPicPr>
+        <p:blipFill>
+          <a:blip r:embed="rId3">
+            <a:alphaModFix/>
+          </a:blip>
+          <a:stretch>
+            <a:fillRect/>
+          </a:stretch>
+        </p:blipFill>
+        <p:spPr>
+          <a:xfrm>
+            <a:off x="1237788" y="192400"/>
+            <a:ext cx="6467523" cy="4850650"/>
+          </a:xfrm>
+          <a:prstGeom prst="rect">
+            <a:avLst/>
+          </a:prstGeom>
+          <a:noFill/>
+          <a:ln>
+            <a:noFill/>
+          </a:ln>
+        </p:spPr>
+      </p:pic>
+    </p:spTree>
+  </p:cSld>
+  <p:clrMapOvr>
+    <a:masterClrMapping/>
+  </p:clrMapOvr>
+</p:sld>
+</file>
+
+<file path=ppt/slides/slide14.xml><?xml version="1.0" encoding="utf-8"?>
+<p:sld xmlns:a="http://schemas.openxmlformats.org/drawingml/2006/main" xmlns:r="http://schemas.openxmlformats.org/officeDocument/2006/relationships" xmlns:mc="http://schemas.openxmlformats.org/markup-compatibility/2006" xmlns:mv="urn:schemas-microsoft-com:mac:vml" xmlns:p="http://schemas.openxmlformats.org/presentationml/2006/main" xmlns:c="http://schemas.openxmlformats.org/drawingml/2006/chart" xmlns:dgm="http://schemas.openxmlformats.org/drawingml/2006/diagram" xmlns:o="urn:schemas-microsoft-com:office:office" xmlns:v="urn:schemas-microsoft-com:vml" xmlns:pvml="urn:schemas-microsoft-com:office:powerpoint" xmlns:com="http://schemas.openxmlformats.org/drawingml/2006/compatibility" xmlns:p14="http://schemas.microsoft.com/office/powerpoint/2010/main" xmlns:p15="http://schemas.microsoft.com/office/powerpoint/2012/main" xmlns:ahyp="http://schemas.microsoft.com/office/drawing/2018/hyperlinkcolor">
+  <p:cSld>
+    <p:spTree>
+      <p:nvGrpSpPr>
+        <p:cNvPr id="149" name="Shape 149"/>
+        <p:cNvGrpSpPr/>
+        <p:nvPr/>
+      </p:nvGrpSpPr>
+      <p:grpSpPr>
+        <a:xfrm>
+          <a:off x="0" y="0"/>
+          <a:ext cx="0" cy="0"/>
+          <a:chOff x="0" y="0"/>
+          <a:chExt cx="0" cy="0"/>
+        </a:xfrm>
+      </p:grpSpPr>
+      <p:sp>
+        <p:nvSpPr>
+          <p:cNvPr id="150" name="Google Shape;150;p26"/>
+          <p:cNvSpPr txBox="1"/>
+          <p:nvPr>
+            <p:ph type="title"/>
+          </p:nvPr>
+        </p:nvSpPr>
+        <p:spPr>
+          <a:xfrm>
+            <a:off x="311700" y="292850"/>
+            <a:ext cx="8520600" cy="801000"/>
+          </a:xfrm>
+          <a:prstGeom prst="rect">
+            <a:avLst/>
+          </a:prstGeom>
+        </p:spPr>
+        <p:txBody>
+          <a:bodyPr anchorCtr="0" anchor="t" bIns="91425" lIns="91425" spcFirstLastPara="1" rIns="91425" wrap="square" tIns="91425">
+            <a:noAutofit/>
+          </a:bodyPr>
+          <a:lstStyle/>
+          <a:p>
+            <a:pPr indent="0" lvl="0" marL="0" rtl="0" algn="l">
+              <a:spcBef>
+                <a:spcPts val="0"/>
+              </a:spcBef>
+              <a:spcAft>
+                <a:spcPts val="0"/>
+              </a:spcAft>
+              <a:buNone/>
+            </a:pPr>
+            <a:r>
+              <a:rPr lang="es"/>
+              <a:t>Desbalance de clases </a:t>
+            </a:r>
+            <a:endParaRPr/>
+          </a:p>
+        </p:txBody>
+      </p:sp>
+      <p:sp>
+        <p:nvSpPr>
+          <p:cNvPr id="151" name="Google Shape;151;p26"/>
           <p:cNvSpPr txBox="1"/>
           <p:nvPr>
             <p:ph idx="1" type="body"/>
@@ -7683,7 +8617,7 @@
       </p:sp>
       <p:pic>
         <p:nvPicPr>
-          <p:cNvPr id="128" name="Google Shape;128;p23"/>
+          <p:cNvPr id="152" name="Google Shape;152;p26"/>
           <p:cNvPicPr preferRelativeResize="0"/>
           <p:nvPr/>
         </p:nvPicPr>
@@ -7716,12 +8650,12 @@
 </p:sld>
 </file>
 
-<file path=ppt/slides/slide12.xml><?xml version="1.0" encoding="utf-8"?>
+<file path=ppt/slides/slide15.xml><?xml version="1.0" encoding="utf-8"?>
 <p:sld xmlns:a="http://schemas.openxmlformats.org/drawingml/2006/main" xmlns:r="http://schemas.openxmlformats.org/officeDocument/2006/relationships" xmlns:mc="http://schemas.openxmlformats.org/markup-compatibility/2006" xmlns:mv="urn:schemas-microsoft-com:mac:vml" xmlns:p="http://schemas.openxmlformats.org/presentationml/2006/main" xmlns:c="http://schemas.openxmlformats.org/drawingml/2006/chart" xmlns:dgm="http://schemas.openxmlformats.org/drawingml/2006/diagram" xmlns:o="urn:schemas-microsoft-com:office:office" xmlns:v="urn:schemas-microsoft-com:vml" xmlns:pvml="urn:schemas-microsoft-com:office:powerpoint" xmlns:com="http://schemas.openxmlformats.org/drawingml/2006/compatibility" xmlns:p14="http://schemas.microsoft.com/office/powerpoint/2010/main" xmlns:p15="http://schemas.microsoft.com/office/powerpoint/2012/main" xmlns:ahyp="http://schemas.microsoft.com/office/drawing/2018/hyperlinkcolor">
   <p:cSld>
     <p:spTree>
       <p:nvGrpSpPr>
-        <p:cNvPr id="132" name="Shape 132"/>
+        <p:cNvPr id="156" name="Shape 156"/>
         <p:cNvGrpSpPr/>
         <p:nvPr/>
       </p:nvGrpSpPr>
@@ -7735,7 +8669,7 @@
       </p:grpSpPr>
       <p:sp>
         <p:nvSpPr>
-          <p:cNvPr id="133" name="Google Shape;133;p24"/>
+          <p:cNvPr id="157" name="Google Shape;157;p27"/>
           <p:cNvSpPr txBox="1"/>
           <p:nvPr>
             <p:ph type="title"/>
@@ -7775,7 +8709,7 @@
       </p:sp>
       <p:sp>
         <p:nvSpPr>
-          <p:cNvPr id="134" name="Google Shape;134;p24"/>
+          <p:cNvPr id="158" name="Google Shape;158;p27"/>
           <p:cNvSpPr txBox="1"/>
           <p:nvPr>
             <p:ph idx="1" type="body"/>
@@ -7807,7 +8741,7 @@
             </a:pPr>
             <a:r>
               <a:rPr lang="es"/>
-              <a:t>El valor de accuracy no es una métrica representativa de la robustez de un modelo.</a:t>
+              <a:t>El valor de accuracy no es una métrica representativa de la robustez de un modelo, por lo que se deben considerar las demás métricas.</a:t>
             </a:r>
             <a:endParaRPr/>
           </a:p>
@@ -7900,147 +8834,50 @@
             </a:r>
             <a:endParaRPr/>
           </a:p>
+          <a:p>
+            <a:pPr indent="0" lvl="0" marL="0" rtl="0" algn="l">
+              <a:spcBef>
+                <a:spcPts val="0"/>
+              </a:spcBef>
+              <a:spcAft>
+                <a:spcPts val="0"/>
+              </a:spcAft>
+              <a:buNone/>
+            </a:pPr>
+            <a:r>
+              <a:t/>
+            </a:r>
+            <a:endParaRPr/>
+          </a:p>
         </p:txBody>
       </p:sp>
-      <p:sp>
-        <p:nvSpPr>
+      <p:pic>
+        <p:nvPicPr>
           <p:cNvPr id="63" name="Google Shape;63;p14"/>
-          <p:cNvSpPr txBox="1"/>
-          <p:nvPr>
-            <p:ph idx="1" type="body"/>
-          </p:nvPr>
-        </p:nvSpPr>
+          <p:cNvPicPr preferRelativeResize="0"/>
+          <p:nvPr/>
+        </p:nvPicPr>
+        <p:blipFill rotWithShape="1">
+          <a:blip r:embed="rId3">
+            <a:alphaModFix/>
+          </a:blip>
+          <a:srcRect b="11170" l="20220" r="17158" t="27151"/>
+          <a:stretch/>
+        </p:blipFill>
         <p:spPr>
           <a:xfrm>
-            <a:off x="311700" y="1228675"/>
-            <a:ext cx="8520600" cy="3340200"/>
+            <a:off x="1426525" y="1228675"/>
+            <a:ext cx="6177523" cy="3422574"/>
           </a:xfrm>
           <a:prstGeom prst="rect">
             <a:avLst/>
           </a:prstGeom>
+          <a:noFill/>
+          <a:ln>
+            <a:noFill/>
+          </a:ln>
         </p:spPr>
-        <p:txBody>
-          <a:bodyPr anchorCtr="0" anchor="t" bIns="91425" lIns="91425" spcFirstLastPara="1" rIns="91425" wrap="square" tIns="91425">
-            <a:noAutofit/>
-          </a:bodyPr>
-          <a:lstStyle/>
-          <a:p>
-            <a:pPr indent="-342900" lvl="0" marL="457200" rtl="0" algn="l">
-              <a:spcBef>
-                <a:spcPts val="0"/>
-              </a:spcBef>
-              <a:spcAft>
-                <a:spcPts val="0"/>
-              </a:spcAft>
-              <a:buSzPts val="1800"/>
-              <a:buChar char="●"/>
-            </a:pPr>
-            <a:r>
-              <a:rPr lang="es"/>
-              <a:t>Accuracy: Porcentaje de correctas clasificaciones</a:t>
-            </a:r>
-            <a:endParaRPr/>
-          </a:p>
-          <a:p>
-            <a:pPr indent="-342900" lvl="0" marL="457200" rtl="0" algn="l">
-              <a:spcBef>
-                <a:spcPts val="0"/>
-              </a:spcBef>
-              <a:spcAft>
-                <a:spcPts val="0"/>
-              </a:spcAft>
-              <a:buSzPts val="1800"/>
-              <a:buChar char="●"/>
-            </a:pPr>
-            <a:r>
-              <a:rPr lang="es"/>
-              <a:t>Tasa de error: Porcentaje de incorrectas clasificaciones</a:t>
-            </a:r>
-            <a:endParaRPr/>
-          </a:p>
-          <a:p>
-            <a:pPr indent="0" lvl="0" marL="457200" rtl="0" algn="l">
-              <a:spcBef>
-                <a:spcPts val="1600"/>
-              </a:spcBef>
-              <a:spcAft>
-                <a:spcPts val="0"/>
-              </a:spcAft>
-              <a:buNone/>
-            </a:pPr>
-            <a:r>
-              <a:rPr lang="es"/>
-              <a:t>Accuracy = 1 - tasa de error</a:t>
-            </a:r>
-            <a:endParaRPr/>
-          </a:p>
-          <a:p>
-            <a:pPr indent="0" lvl="0" marL="0" rtl="0" algn="l">
-              <a:spcBef>
-                <a:spcPts val="1600"/>
-              </a:spcBef>
-              <a:spcAft>
-                <a:spcPts val="0"/>
-              </a:spcAft>
-              <a:buNone/>
-            </a:pPr>
-            <a:r>
-              <a:rPr lang="es"/>
-              <a:t>Problemas con estas métricas:</a:t>
-            </a:r>
-            <a:endParaRPr/>
-          </a:p>
-          <a:p>
-            <a:pPr indent="-342900" lvl="0" marL="457200" rtl="0" algn="l">
-              <a:spcBef>
-                <a:spcPts val="1600"/>
-              </a:spcBef>
-              <a:spcAft>
-                <a:spcPts val="0"/>
-              </a:spcAft>
-              <a:buSzPts val="1800"/>
-              <a:buChar char="●"/>
-            </a:pPr>
-            <a:r>
-              <a:rPr lang="es"/>
-              <a:t>Asume costos iguales para las clasificaciones erróneas</a:t>
-            </a:r>
-            <a:endParaRPr/>
-          </a:p>
-          <a:p>
-            <a:pPr indent="-342900" lvl="0" marL="457200" rtl="0" algn="l">
-              <a:spcBef>
-                <a:spcPts val="0"/>
-              </a:spcBef>
-              <a:spcAft>
-                <a:spcPts val="0"/>
-              </a:spcAft>
-              <a:buSzPts val="1800"/>
-              <a:buChar char="●"/>
-            </a:pPr>
-            <a:r>
-              <a:rPr lang="es"/>
-              <a:t>Asume distribución de clases uniforme</a:t>
-            </a:r>
-            <a:endParaRPr/>
-          </a:p>
-          <a:p>
-            <a:pPr indent="0" lvl="0" marL="0" rtl="0" algn="l">
-              <a:spcBef>
-                <a:spcPts val="1600"/>
-              </a:spcBef>
-              <a:spcAft>
-                <a:spcPts val="1600"/>
-              </a:spcAft>
-              <a:buNone/>
-            </a:pPr>
-            <a:r>
-              <a:t/>
-            </a:r>
-            <a:endParaRPr/>
-          </a:p>
-        </p:txBody>
-      </p:sp>
+      </p:pic>
     </p:spTree>
   </p:cSld>
   <p:clrMapOvr>
@@ -8104,21 +8941,6 @@
             </a:r>
             <a:endParaRPr/>
           </a:p>
-          <a:p>
-            <a:pPr indent="0" lvl="0" marL="0" rtl="0" algn="l">
-              <a:spcBef>
-                <a:spcPts val="0"/>
-              </a:spcBef>
-              <a:spcAft>
-                <a:spcPts val="0"/>
-              </a:spcAft>
-              <a:buNone/>
-            </a:pPr>
-            <a:r>
-              <a:t/>
-            </a:r>
-            <a:endParaRPr/>
-          </a:p>
         </p:txBody>
       </p:sp>
       <p:sp>
@@ -8144,9 +8966,59 @@
           </a:bodyPr>
           <a:lstStyle/>
           <a:p>
+            <a:pPr indent="-342900" lvl="0" marL="457200" rtl="0" algn="l">
+              <a:spcBef>
+                <a:spcPts val="0"/>
+              </a:spcBef>
+              <a:spcAft>
+                <a:spcPts val="0"/>
+              </a:spcAft>
+              <a:buSzPts val="1800"/>
+              <a:buChar char="●"/>
+            </a:pPr>
+            <a:r>
+              <a:rPr lang="es"/>
+              <a:t>Accuracy: Porcentaje de correctas clasificaciones</a:t>
+            </a:r>
+            <a:endParaRPr/>
+          </a:p>
+          <a:p>
+            <a:pPr indent="-342900" lvl="0" marL="457200" rtl="0" algn="l">
+              <a:spcBef>
+                <a:spcPts val="0"/>
+              </a:spcBef>
+              <a:spcAft>
+                <a:spcPts val="0"/>
+              </a:spcAft>
+              <a:buSzPts val="1800"/>
+              <a:buChar char="●"/>
+            </a:pPr>
+            <a:r>
+              <a:rPr lang="es"/>
+              <a:t>Tasa de error: Porcentaje de incorrectas clasificaciones</a:t>
+            </a:r>
+            <a:endParaRPr/>
+          </a:p>
+          <a:p>
+            <a:pPr indent="0" lvl="0" marL="457200" rtl="0" algn="l">
+              <a:spcBef>
+                <a:spcPts val="1600"/>
+              </a:spcBef>
+              <a:spcAft>
+                <a:spcPts val="0"/>
+              </a:spcAft>
+              <a:buNone/>
+            </a:pPr>
+            <a:r>
+              <a:rPr lang="es"/>
+              <a:t>Accuracy = 1 - tasa de error</a:t>
+            </a:r>
+            <a:endParaRPr/>
+          </a:p>
+          <a:p>
             <a:pPr indent="0" lvl="0" marL="0" rtl="0" algn="l">
               <a:spcBef>
-                <a:spcPts val="0"/>
+                <a:spcPts val="1600"/>
               </a:spcBef>
               <a:spcAft>
                 <a:spcPts val="0"/>
@@ -8155,7 +9027,41 @@
             </a:pPr>
             <a:r>
               <a:rPr lang="es"/>
-              <a:t>Otras métricas se pueden obtener de la matriz de confusión, la cual nos ayuda a visualizar el desempeño de un modelo de clasificación</a:t>
+              <a:t>Problemas con estas métricas:</a:t>
+            </a:r>
+            <a:endParaRPr/>
+          </a:p>
+          <a:p>
+            <a:pPr indent="-342900" lvl="0" marL="457200" rtl="0" algn="l">
+              <a:spcBef>
+                <a:spcPts val="1600"/>
+              </a:spcBef>
+              <a:spcAft>
+                <a:spcPts val="0"/>
+              </a:spcAft>
+              <a:buSzPts val="1800"/>
+              <a:buChar char="●"/>
+            </a:pPr>
+            <a:r>
+              <a:rPr lang="es"/>
+              <a:t>Asume costos iguales para las clasificaciones erróneas</a:t>
+            </a:r>
+            <a:endParaRPr/>
+          </a:p>
+          <a:p>
+            <a:pPr indent="-342900" lvl="0" marL="457200" rtl="0" algn="l">
+              <a:spcBef>
+                <a:spcPts val="0"/>
+              </a:spcBef>
+              <a:spcAft>
+                <a:spcPts val="0"/>
+              </a:spcAft>
+              <a:buSzPts val="1800"/>
+              <a:buChar char="●"/>
+            </a:pPr>
+            <a:r>
+              <a:rPr lang="es"/>
+              <a:t>Asume distribución de clases uniforme</a:t>
             </a:r>
             <a:endParaRPr/>
           </a:p>
@@ -8186,13 +9092,13 @@
           <a:blip r:embed="rId3">
             <a:alphaModFix/>
           </a:blip>
-          <a:srcRect b="13321" l="24720" r="24415" t="50388"/>
+          <a:srcRect b="38866" l="35152" r="34415" t="50000"/>
           <a:stretch/>
         </p:blipFill>
         <p:spPr>
           <a:xfrm>
-            <a:off x="2246375" y="2270350"/>
-            <a:ext cx="4651248" cy="1866551"/>
+            <a:off x="3056224" y="4038450"/>
+            <a:ext cx="2937250" cy="604449"/>
           </a:xfrm>
           <a:prstGeom prst="rect">
             <a:avLst/>
@@ -8262,11 +9168,140 @@
             </a:pPr>
             <a:r>
               <a:rPr lang="es"/>
-              <a:t>Matriz</a:t>
+              <a:t>Matriz de confusión</a:t>
             </a:r>
             <a:r>
               <a:rPr lang="es"/>
-              <a:t> de confusión</a:t>
+              <a:t> </a:t>
+            </a:r>
+            <a:endParaRPr/>
+          </a:p>
+          <a:p>
+            <a:pPr indent="0" lvl="0" marL="0" rtl="0" algn="l">
+              <a:spcBef>
+                <a:spcPts val="0"/>
+              </a:spcBef>
+              <a:spcAft>
+                <a:spcPts val="0"/>
+              </a:spcAft>
+              <a:buNone/>
+            </a:pPr>
+            <a:r>
+              <a:t/>
+            </a:r>
+            <a:endParaRPr/>
+          </a:p>
+        </p:txBody>
+      </p:sp>
+      <p:sp>
+        <p:nvSpPr>
+          <p:cNvPr id="76" name="Google Shape;76;p16"/>
+          <p:cNvSpPr txBox="1"/>
+          <p:nvPr>
+            <p:ph idx="1" type="body"/>
+          </p:nvPr>
+        </p:nvSpPr>
+        <p:spPr>
+          <a:xfrm>
+            <a:off x="311700" y="1439650"/>
+            <a:ext cx="4359600" cy="1866600"/>
+          </a:xfrm>
+          <a:prstGeom prst="rect">
+            <a:avLst/>
+          </a:prstGeom>
+        </p:spPr>
+        <p:txBody>
+          <a:bodyPr anchorCtr="0" anchor="t" bIns="91425" lIns="91425" spcFirstLastPara="1" rIns="91425" wrap="square" tIns="91425">
+            <a:noAutofit/>
+          </a:bodyPr>
+          <a:lstStyle/>
+          <a:p>
+            <a:pPr indent="0" lvl="0" marL="0" rtl="0" algn="l">
+              <a:spcBef>
+                <a:spcPts val="0"/>
+              </a:spcBef>
+              <a:spcAft>
+                <a:spcPts val="0"/>
+              </a:spcAft>
+              <a:buNone/>
+            </a:pPr>
+            <a:r>
+              <a:rPr lang="es"/>
+              <a:t>Es una tabla que nos ayuda a visualizar el desempeño de un modelo de clasificación.</a:t>
+            </a:r>
+            <a:endParaRPr/>
+          </a:p>
+          <a:p>
+            <a:pPr indent="0" lvl="0" marL="0" rtl="0" algn="l">
+              <a:spcBef>
+                <a:spcPts val="1600"/>
+              </a:spcBef>
+              <a:spcAft>
+                <a:spcPts val="0"/>
+              </a:spcAft>
+              <a:buNone/>
+            </a:pPr>
+            <a:r>
+              <a:t/>
+            </a:r>
+            <a:endParaRPr/>
+          </a:p>
+          <a:p>
+            <a:pPr indent="0" lvl="0" marL="0" rtl="0" algn="l">
+              <a:lnSpc>
+                <a:spcPct val="135714"/>
+              </a:lnSpc>
+              <a:spcBef>
+                <a:spcPts val="1600"/>
+              </a:spcBef>
+              <a:spcAft>
+                <a:spcPts val="0"/>
+              </a:spcAft>
+              <a:buNone/>
+            </a:pPr>
+            <a:r>
+              <a:t/>
+            </a:r>
+            <a:endParaRPr sz="1050">
+              <a:solidFill>
+                <a:srgbClr val="AF00DB"/>
+              </a:solidFill>
+              <a:highlight>
+                <a:srgbClr val="FFFFFE"/>
+              </a:highlight>
+              <a:latin typeface="Courier New"/>
+              <a:ea typeface="Courier New"/>
+              <a:cs typeface="Courier New"/>
+              <a:sym typeface="Courier New"/>
+            </a:endParaRPr>
+          </a:p>
+          <a:p>
+            <a:pPr indent="0" lvl="0" marL="0" rtl="0" algn="l">
+              <a:spcBef>
+                <a:spcPts val="0"/>
+              </a:spcBef>
+              <a:spcAft>
+                <a:spcPts val="0"/>
+              </a:spcAft>
+              <a:buNone/>
+            </a:pPr>
+            <a:r>
+              <a:t/>
+            </a:r>
+            <a:endParaRPr/>
+          </a:p>
+          <a:p>
+            <a:pPr indent="0" lvl="0" marL="0" rtl="0" algn="l">
+              <a:spcBef>
+                <a:spcPts val="1600"/>
+              </a:spcBef>
+              <a:spcAft>
+                <a:spcPts val="1600"/>
+              </a:spcAft>
+              <a:buNone/>
+            </a:pPr>
+            <a:r>
+              <a:t/>
             </a:r>
             <a:endParaRPr/>
           </a:p>
@@ -8274,7 +9309,381 @@
       </p:sp>
       <p:pic>
         <p:nvPicPr>
-          <p:cNvPr id="76" name="Google Shape;76;p16"/>
+          <p:cNvPr id="77" name="Google Shape;77;p16"/>
+          <p:cNvPicPr preferRelativeResize="0"/>
+          <p:nvPr/>
+        </p:nvPicPr>
+        <p:blipFill rotWithShape="1">
+          <a:blip r:embed="rId3">
+            <a:alphaModFix/>
+          </a:blip>
+          <a:srcRect b="13321" l="24720" r="24415" t="50388"/>
+          <a:stretch/>
+        </p:blipFill>
+        <p:spPr>
+          <a:xfrm>
+            <a:off x="4446425" y="1036725"/>
+            <a:ext cx="4651248" cy="1866551"/>
+          </a:xfrm>
+          <a:prstGeom prst="rect">
+            <a:avLst/>
+          </a:prstGeom>
+          <a:noFill/>
+          <a:ln>
+            <a:noFill/>
+          </a:ln>
+        </p:spPr>
+      </p:pic>
+      <p:sp>
+        <p:nvSpPr>
+          <p:cNvPr id="78" name="Google Shape;78;p16"/>
+          <p:cNvSpPr txBox="1"/>
+          <p:nvPr/>
+        </p:nvSpPr>
+        <p:spPr>
+          <a:xfrm>
+            <a:off x="492250" y="3139750"/>
+            <a:ext cx="7474200" cy="1900800"/>
+          </a:xfrm>
+          <a:prstGeom prst="rect">
+            <a:avLst/>
+          </a:prstGeom>
+          <a:noFill/>
+          <a:ln>
+            <a:noFill/>
+          </a:ln>
+        </p:spPr>
+        <p:txBody>
+          <a:bodyPr anchorCtr="0" anchor="t" bIns="91425" lIns="91425" spcFirstLastPara="1" rIns="91425" wrap="square" tIns="91425">
+            <a:spAutoFit/>
+          </a:bodyPr>
+          <a:lstStyle/>
+          <a:p>
+            <a:pPr indent="0" lvl="0" marL="0" rtl="0" algn="l">
+              <a:lnSpc>
+                <a:spcPct val="115000"/>
+              </a:lnSpc>
+              <a:spcBef>
+                <a:spcPts val="0"/>
+              </a:spcBef>
+              <a:spcAft>
+                <a:spcPts val="0"/>
+              </a:spcAft>
+              <a:buNone/>
+            </a:pPr>
+            <a:r>
+              <a:rPr lang="es" sz="1800">
+                <a:solidFill>
+                  <a:schemeClr val="dk2"/>
+                </a:solidFill>
+                <a:latin typeface="Source Code Pro"/>
+                <a:ea typeface="Source Code Pro"/>
+                <a:cs typeface="Source Code Pro"/>
+                <a:sym typeface="Source Code Pro"/>
+              </a:rPr>
+              <a:t>En scikit-learn la MC y el accuracy se obtiene de la siguiente manera:</a:t>
+            </a:r>
+            <a:endParaRPr sz="1800">
+              <a:solidFill>
+                <a:schemeClr val="dk2"/>
+              </a:solidFill>
+              <a:latin typeface="Source Code Pro"/>
+              <a:ea typeface="Source Code Pro"/>
+              <a:cs typeface="Source Code Pro"/>
+              <a:sym typeface="Source Code Pro"/>
+            </a:endParaRPr>
+          </a:p>
+          <a:p>
+            <a:pPr indent="0" lvl="0" marL="0" rtl="0" algn="l">
+              <a:lnSpc>
+                <a:spcPct val="135714"/>
+              </a:lnSpc>
+              <a:spcBef>
+                <a:spcPts val="1600"/>
+              </a:spcBef>
+              <a:spcAft>
+                <a:spcPts val="0"/>
+              </a:spcAft>
+              <a:buNone/>
+            </a:pPr>
+            <a:r>
+              <a:rPr lang="es" sz="1050">
+                <a:solidFill>
+                  <a:srgbClr val="AF00DB"/>
+                </a:solidFill>
+                <a:highlight>
+                  <a:srgbClr val="FFFFFE"/>
+                </a:highlight>
+                <a:latin typeface="Courier New"/>
+                <a:ea typeface="Courier New"/>
+                <a:cs typeface="Courier New"/>
+                <a:sym typeface="Courier New"/>
+              </a:rPr>
+              <a:t>from</a:t>
+            </a:r>
+            <a:r>
+              <a:rPr lang="es" sz="1050">
+                <a:highlight>
+                  <a:srgbClr val="FFFFFE"/>
+                </a:highlight>
+                <a:latin typeface="Courier New"/>
+                <a:ea typeface="Courier New"/>
+                <a:cs typeface="Courier New"/>
+                <a:sym typeface="Courier New"/>
+              </a:rPr>
+              <a:t> sklearn.metrics </a:t>
+            </a:r>
+            <a:r>
+              <a:rPr lang="es" sz="1050">
+                <a:solidFill>
+                  <a:srgbClr val="AF00DB"/>
+                </a:solidFill>
+                <a:highlight>
+                  <a:srgbClr val="FFFFFE"/>
+                </a:highlight>
+                <a:latin typeface="Courier New"/>
+                <a:ea typeface="Courier New"/>
+                <a:cs typeface="Courier New"/>
+                <a:sym typeface="Courier New"/>
+              </a:rPr>
+              <a:t>import</a:t>
+            </a:r>
+            <a:r>
+              <a:rPr lang="es" sz="1050">
+                <a:highlight>
+                  <a:srgbClr val="FFFFFE"/>
+                </a:highlight>
+                <a:latin typeface="Courier New"/>
+                <a:ea typeface="Courier New"/>
+                <a:cs typeface="Courier New"/>
+                <a:sym typeface="Courier New"/>
+              </a:rPr>
+              <a:t> confusion_matrix, accuracy_score</a:t>
+            </a:r>
+            <a:endParaRPr sz="1050">
+              <a:highlight>
+                <a:srgbClr val="FFFFFE"/>
+              </a:highlight>
+              <a:latin typeface="Courier New"/>
+              <a:ea typeface="Courier New"/>
+              <a:cs typeface="Courier New"/>
+              <a:sym typeface="Courier New"/>
+            </a:endParaRPr>
+          </a:p>
+          <a:p>
+            <a:pPr indent="0" lvl="0" marL="0" rtl="0" algn="l">
+              <a:lnSpc>
+                <a:spcPct val="135714"/>
+              </a:lnSpc>
+              <a:spcBef>
+                <a:spcPts val="0"/>
+              </a:spcBef>
+              <a:spcAft>
+                <a:spcPts val="0"/>
+              </a:spcAft>
+              <a:buNone/>
+            </a:pPr>
+            <a:r>
+              <a:rPr lang="es" sz="1050">
+                <a:highlight>
+                  <a:srgbClr val="FFFFFE"/>
+                </a:highlight>
+                <a:latin typeface="Courier New"/>
+                <a:ea typeface="Courier New"/>
+                <a:cs typeface="Courier New"/>
+                <a:sym typeface="Courier New"/>
+              </a:rPr>
+              <a:t>cm = confusion_matrix(y_test, y_pred)</a:t>
+            </a:r>
+            <a:endParaRPr sz="1050">
+              <a:highlight>
+                <a:srgbClr val="FFFFFE"/>
+              </a:highlight>
+              <a:latin typeface="Courier New"/>
+              <a:ea typeface="Courier New"/>
+              <a:cs typeface="Courier New"/>
+              <a:sym typeface="Courier New"/>
+            </a:endParaRPr>
+          </a:p>
+          <a:p>
+            <a:pPr indent="0" lvl="0" marL="0" rtl="0" algn="l">
+              <a:lnSpc>
+                <a:spcPct val="135714"/>
+              </a:lnSpc>
+              <a:spcBef>
+                <a:spcPts val="0"/>
+              </a:spcBef>
+              <a:spcAft>
+                <a:spcPts val="0"/>
+              </a:spcAft>
+              <a:buNone/>
+            </a:pPr>
+            <a:r>
+              <a:rPr lang="es" sz="1050">
+                <a:highlight>
+                  <a:srgbClr val="FFFFFE"/>
+                </a:highlight>
+                <a:latin typeface="Courier New"/>
+                <a:ea typeface="Courier New"/>
+                <a:cs typeface="Courier New"/>
+                <a:sym typeface="Courier New"/>
+              </a:rPr>
+              <a:t>accuracy_score(y_test, y_pred)</a:t>
+            </a:r>
+            <a:endParaRPr sz="1050">
+              <a:highlight>
+                <a:srgbClr val="FFFFFE"/>
+              </a:highlight>
+              <a:latin typeface="Courier New"/>
+              <a:ea typeface="Courier New"/>
+              <a:cs typeface="Courier New"/>
+              <a:sym typeface="Courier New"/>
+            </a:endParaRPr>
+          </a:p>
+          <a:p>
+            <a:pPr indent="0" lvl="0" marL="0" rtl="0" algn="l">
+              <a:spcBef>
+                <a:spcPts val="0"/>
+              </a:spcBef>
+              <a:spcAft>
+                <a:spcPts val="0"/>
+              </a:spcAft>
+              <a:buNone/>
+            </a:pPr>
+            <a:r>
+              <a:t/>
+            </a:r>
+            <a:endParaRPr>
+              <a:latin typeface="Source Code Pro"/>
+              <a:ea typeface="Source Code Pro"/>
+              <a:cs typeface="Source Code Pro"/>
+              <a:sym typeface="Source Code Pro"/>
+            </a:endParaRPr>
+          </a:p>
+        </p:txBody>
+      </p:sp>
+      <p:sp>
+        <p:nvSpPr>
+          <p:cNvPr id="79" name="Google Shape;79;p16"/>
+          <p:cNvSpPr/>
+          <p:nvPr/>
+        </p:nvSpPr>
+        <p:spPr>
+          <a:xfrm>
+            <a:off x="7283250" y="2267500"/>
+            <a:ext cx="462000" cy="210900"/>
+          </a:xfrm>
+          <a:prstGeom prst="rect">
+            <a:avLst/>
+          </a:prstGeom>
+          <a:solidFill>
+            <a:schemeClr val="lt2"/>
+          </a:solidFill>
+          <a:ln cap="flat" cmpd="sng" w="9525">
+            <a:solidFill>
+              <a:schemeClr val="dk2"/>
+            </a:solidFill>
+            <a:prstDash val="solid"/>
+            <a:round/>
+            <a:headEnd len="sm" w="sm" type="none"/>
+            <a:tailEnd len="sm" w="sm" type="none"/>
+          </a:ln>
+        </p:spPr>
+        <p:txBody>
+          <a:bodyPr anchorCtr="0" anchor="ctr" bIns="91425" lIns="91425" spcFirstLastPara="1" rIns="91425" wrap="square" tIns="91425">
+            <a:noAutofit/>
+          </a:bodyPr>
+          <a:lstStyle/>
+          <a:p>
+            <a:pPr indent="0" lvl="0" marL="0" rtl="0" algn="l">
+              <a:spcBef>
+                <a:spcPts val="0"/>
+              </a:spcBef>
+              <a:spcAft>
+                <a:spcPts val="0"/>
+              </a:spcAft>
+              <a:buNone/>
+            </a:pPr>
+            <a:r>
+              <a:rPr lang="es" sz="1000"/>
+              <a:t>(TN)</a:t>
+            </a:r>
+            <a:endParaRPr sz="1000"/>
+          </a:p>
+        </p:txBody>
+      </p:sp>
+    </p:spTree>
+  </p:cSld>
+  <p:clrMapOvr>
+    <a:masterClrMapping/>
+  </p:clrMapOvr>
+</p:sld>
+</file>
+
+<file path=ppt/slides/slide5.xml><?xml version="1.0" encoding="utf-8"?>
+<p:sld xmlns:a="http://schemas.openxmlformats.org/drawingml/2006/main" xmlns:r="http://schemas.openxmlformats.org/officeDocument/2006/relationships" xmlns:mc="http://schemas.openxmlformats.org/markup-compatibility/2006" xmlns:mv="urn:schemas-microsoft-com:mac:vml" xmlns:p="http://schemas.openxmlformats.org/presentationml/2006/main" xmlns:c="http://schemas.openxmlformats.org/drawingml/2006/chart" xmlns:dgm="http://schemas.openxmlformats.org/drawingml/2006/diagram" xmlns:o="urn:schemas-microsoft-com:office:office" xmlns:v="urn:schemas-microsoft-com:vml" xmlns:pvml="urn:schemas-microsoft-com:office:powerpoint" xmlns:com="http://schemas.openxmlformats.org/drawingml/2006/compatibility" xmlns:p14="http://schemas.microsoft.com/office/powerpoint/2010/main" xmlns:p15="http://schemas.microsoft.com/office/powerpoint/2012/main" xmlns:ahyp="http://schemas.microsoft.com/office/drawing/2018/hyperlinkcolor">
+  <p:cSld>
+    <p:spTree>
+      <p:nvGrpSpPr>
+        <p:cNvPr id="83" name="Shape 83"/>
+        <p:cNvGrpSpPr/>
+        <p:nvPr/>
+      </p:nvGrpSpPr>
+      <p:grpSpPr>
+        <a:xfrm>
+          <a:off x="0" y="0"/>
+          <a:ext cx="0" cy="0"/>
+          <a:chOff x="0" y="0"/>
+          <a:chExt cx="0" cy="0"/>
+        </a:xfrm>
+      </p:grpSpPr>
+      <p:sp>
+        <p:nvSpPr>
+          <p:cNvPr id="84" name="Google Shape;84;p17"/>
+          <p:cNvSpPr txBox="1"/>
+          <p:nvPr>
+            <p:ph type="title"/>
+          </p:nvPr>
+        </p:nvSpPr>
+        <p:spPr>
+          <a:xfrm>
+            <a:off x="311700" y="292850"/>
+            <a:ext cx="8520600" cy="801000"/>
+          </a:xfrm>
+          <a:prstGeom prst="rect">
+            <a:avLst/>
+          </a:prstGeom>
+        </p:spPr>
+        <p:txBody>
+          <a:bodyPr anchorCtr="0" anchor="t" bIns="91425" lIns="91425" spcFirstLastPara="1" rIns="91425" wrap="square" tIns="91425">
+            <a:noAutofit/>
+          </a:bodyPr>
+          <a:lstStyle/>
+          <a:p>
+            <a:pPr indent="0" lvl="0" marL="0" rtl="0" algn="l">
+              <a:spcBef>
+                <a:spcPts val="0"/>
+              </a:spcBef>
+              <a:spcAft>
+                <a:spcPts val="0"/>
+              </a:spcAft>
+              <a:buNone/>
+            </a:pPr>
+            <a:r>
+              <a:rPr lang="es"/>
+              <a:t>Matriz</a:t>
+            </a:r>
+            <a:r>
+              <a:rPr lang="es"/>
+              <a:t> de confusión</a:t>
+            </a:r>
+            <a:endParaRPr/>
+          </a:p>
+        </p:txBody>
+      </p:sp>
+      <p:pic>
+        <p:nvPicPr>
+          <p:cNvPr id="85" name="Google Shape;85;p17"/>
           <p:cNvPicPr preferRelativeResize="0"/>
           <p:nvPr/>
         </p:nvPicPr>
@@ -8301,7 +9710,7 @@
       </p:pic>
       <p:pic>
         <p:nvPicPr>
-          <p:cNvPr id="77" name="Google Shape;77;p16"/>
+          <p:cNvPr id="86" name="Google Shape;86;p17"/>
           <p:cNvPicPr preferRelativeResize="0"/>
           <p:nvPr/>
         </p:nvPicPr>
@@ -8328,7 +9737,7 @@
       </p:pic>
       <p:pic>
         <p:nvPicPr>
-          <p:cNvPr id="78" name="Google Shape;78;p16"/>
+          <p:cNvPr id="87" name="Google Shape;87;p17"/>
           <p:cNvPicPr preferRelativeResize="0"/>
           <p:nvPr/>
         </p:nvPicPr>
@@ -8362,12 +9771,12 @@
 </p:sld>
 </file>
 
-<file path=ppt/slides/slide5.xml><?xml version="1.0" encoding="utf-8"?>
+<file path=ppt/slides/slide6.xml><?xml version="1.0" encoding="utf-8"?>
 <p:sld xmlns:a="http://schemas.openxmlformats.org/drawingml/2006/main" xmlns:r="http://schemas.openxmlformats.org/officeDocument/2006/relationships" xmlns:mc="http://schemas.openxmlformats.org/markup-compatibility/2006" xmlns:mv="urn:schemas-microsoft-com:mac:vml" xmlns:p="http://schemas.openxmlformats.org/presentationml/2006/main" xmlns:c="http://schemas.openxmlformats.org/drawingml/2006/chart" xmlns:dgm="http://schemas.openxmlformats.org/drawingml/2006/diagram" xmlns:o="urn:schemas-microsoft-com:office:office" xmlns:v="urn:schemas-microsoft-com:vml" xmlns:pvml="urn:schemas-microsoft-com:office:powerpoint" xmlns:com="http://schemas.openxmlformats.org/drawingml/2006/compatibility" xmlns:p14="http://schemas.microsoft.com/office/powerpoint/2010/main" xmlns:p15="http://schemas.microsoft.com/office/powerpoint/2012/main" xmlns:ahyp="http://schemas.microsoft.com/office/drawing/2018/hyperlinkcolor">
   <p:cSld>
     <p:spTree>
       <p:nvGrpSpPr>
-        <p:cNvPr id="82" name="Shape 82"/>
+        <p:cNvPr id="91" name="Shape 91"/>
         <p:cNvGrpSpPr/>
         <p:nvPr/>
       </p:nvGrpSpPr>
@@ -8381,7 +9790,7 @@
       </p:grpSpPr>
       <p:sp>
         <p:nvSpPr>
-          <p:cNvPr id="83" name="Google Shape;83;p17"/>
+          <p:cNvPr id="92" name="Google Shape;92;p18"/>
           <p:cNvSpPr txBox="1"/>
           <p:nvPr>
             <p:ph type="title"/>
@@ -8421,7 +9830,7 @@
       </p:sp>
       <p:sp>
         <p:nvSpPr>
-          <p:cNvPr id="84" name="Google Shape;84;p17"/>
+          <p:cNvPr id="93" name="Google Shape;93;p18"/>
           <p:cNvSpPr txBox="1"/>
           <p:nvPr>
             <p:ph idx="1" type="body"/>
@@ -8540,7 +9949,7 @@
       </p:sp>
       <p:pic>
         <p:nvPicPr>
-          <p:cNvPr id="85" name="Google Shape;85;p17"/>
+          <p:cNvPr id="94" name="Google Shape;94;p18"/>
           <p:cNvPicPr preferRelativeResize="0"/>
           <p:nvPr/>
         </p:nvPicPr>
@@ -8565,6 +9974,56 @@
           </a:ln>
         </p:spPr>
       </p:pic>
+      <p:sp>
+        <p:nvSpPr>
+          <p:cNvPr id="95" name="Google Shape;95;p18"/>
+          <p:cNvSpPr/>
+          <p:nvPr/>
+        </p:nvSpPr>
+        <p:spPr>
+          <a:xfrm>
+            <a:off x="5706050" y="2227325"/>
+            <a:ext cx="462000" cy="210900"/>
+          </a:xfrm>
+          <a:prstGeom prst="rect">
+            <a:avLst/>
+          </a:prstGeom>
+          <a:solidFill>
+            <a:schemeClr val="lt2"/>
+          </a:solidFill>
+          <a:ln cap="flat" cmpd="sng" w="9525">
+            <a:solidFill>
+              <a:schemeClr val="dk2"/>
+            </a:solidFill>
+            <a:prstDash val="solid"/>
+            <a:round/>
+            <a:headEnd len="sm" w="sm" type="none"/>
+            <a:tailEnd len="sm" w="sm" type="none"/>
+          </a:ln>
+        </p:spPr>
+        <p:txBody>
+          <a:bodyPr anchorCtr="0" anchor="ctr" bIns="91425" lIns="91425" spcFirstLastPara="1" rIns="91425" wrap="square" tIns="91425">
+            <a:noAutofit/>
+          </a:bodyPr>
+          <a:lstStyle/>
+          <a:p>
+            <a:pPr indent="0" lvl="0" marL="0" rtl="0" algn="l">
+              <a:spcBef>
+                <a:spcPts val="0"/>
+              </a:spcBef>
+              <a:spcAft>
+                <a:spcPts val="0"/>
+              </a:spcAft>
+              <a:buNone/>
+            </a:pPr>
+            <a:r>
+              <a:rPr lang="es" sz="1000"/>
+              <a:t>(TN)</a:t>
+            </a:r>
+            <a:endParaRPr sz="1000"/>
+          </a:p>
+        </p:txBody>
+      </p:sp>
     </p:spTree>
   </p:cSld>
   <p:clrMapOvr>
@@ -8573,12 +10032,12 @@
 </p:sld>
 </file>
 
-<file path=ppt/slides/slide6.xml><?xml version="1.0" encoding="utf-8"?>
+<file path=ppt/slides/slide7.xml><?xml version="1.0" encoding="utf-8"?>
 <p:sld xmlns:a="http://schemas.openxmlformats.org/drawingml/2006/main" xmlns:r="http://schemas.openxmlformats.org/officeDocument/2006/relationships" xmlns:mc="http://schemas.openxmlformats.org/markup-compatibility/2006" xmlns:mv="urn:schemas-microsoft-com:mac:vml" xmlns:p="http://schemas.openxmlformats.org/presentationml/2006/main" xmlns:c="http://schemas.openxmlformats.org/drawingml/2006/chart" xmlns:dgm="http://schemas.openxmlformats.org/drawingml/2006/diagram" xmlns:o="urn:schemas-microsoft-com:office:office" xmlns:v="urn:schemas-microsoft-com:vml" xmlns:pvml="urn:schemas-microsoft-com:office:powerpoint" xmlns:com="http://schemas.openxmlformats.org/drawingml/2006/compatibility" xmlns:p14="http://schemas.microsoft.com/office/powerpoint/2010/main" xmlns:p15="http://schemas.microsoft.com/office/powerpoint/2012/main" xmlns:ahyp="http://schemas.microsoft.com/office/drawing/2018/hyperlinkcolor">
   <p:cSld>
     <p:spTree>
       <p:nvGrpSpPr>
-        <p:cNvPr id="89" name="Shape 89"/>
+        <p:cNvPr id="99" name="Shape 99"/>
         <p:cNvGrpSpPr/>
         <p:nvPr/>
       </p:nvGrpSpPr>
@@ -8592,7 +10051,7 @@
       </p:grpSpPr>
       <p:sp>
         <p:nvSpPr>
-          <p:cNvPr id="90" name="Google Shape;90;p18"/>
+          <p:cNvPr id="100" name="Google Shape;100;p19"/>
           <p:cNvSpPr txBox="1"/>
           <p:nvPr>
             <p:ph type="title"/>
@@ -8632,7 +10091,7 @@
       </p:sp>
       <p:sp>
         <p:nvSpPr>
-          <p:cNvPr id="91" name="Google Shape;91;p18"/>
+          <p:cNvPr id="101" name="Google Shape;101;p19"/>
           <p:cNvSpPr txBox="1"/>
           <p:nvPr>
             <p:ph idx="1" type="body"/>
@@ -8711,12 +10170,12 @@
 </p:sld>
 </file>
 
-<file path=ppt/slides/slide7.xml><?xml version="1.0" encoding="utf-8"?>
+<file path=ppt/slides/slide8.xml><?xml version="1.0" encoding="utf-8"?>
 <p:sld xmlns:a="http://schemas.openxmlformats.org/drawingml/2006/main" xmlns:r="http://schemas.openxmlformats.org/officeDocument/2006/relationships" xmlns:mc="http://schemas.openxmlformats.org/markup-compatibility/2006" xmlns:mv="urn:schemas-microsoft-com:mac:vml" xmlns:p="http://schemas.openxmlformats.org/presentationml/2006/main" xmlns:c="http://schemas.openxmlformats.org/drawingml/2006/chart" xmlns:dgm="http://schemas.openxmlformats.org/drawingml/2006/diagram" xmlns:o="urn:schemas-microsoft-com:office:office" xmlns:v="urn:schemas-microsoft-com:vml" xmlns:pvml="urn:schemas-microsoft-com:office:powerpoint" xmlns:com="http://schemas.openxmlformats.org/drawingml/2006/compatibility" xmlns:p14="http://schemas.microsoft.com/office/powerpoint/2010/main" xmlns:p15="http://schemas.microsoft.com/office/powerpoint/2012/main" xmlns:ahyp="http://schemas.microsoft.com/office/drawing/2018/hyperlinkcolor">
   <p:cSld>
     <p:spTree>
       <p:nvGrpSpPr>
-        <p:cNvPr id="95" name="Shape 95"/>
+        <p:cNvPr id="105" name="Shape 105"/>
         <p:cNvGrpSpPr/>
         <p:nvPr/>
       </p:nvGrpSpPr>
@@ -8730,7 +10189,7 @@
       </p:grpSpPr>
       <p:sp>
         <p:nvSpPr>
-          <p:cNvPr id="96" name="Google Shape;96;p19"/>
+          <p:cNvPr id="106" name="Google Shape;106;p20"/>
           <p:cNvSpPr txBox="1"/>
           <p:nvPr>
             <p:ph type="title"/>
@@ -8762,7 +10221,15 @@
             </a:pPr>
             <a:r>
               <a:rPr lang="es"/>
-              <a:t>MÁS MÉTRICAS</a:t>
+              <a:t>Precisión  (</a:t>
+            </a:r>
+            <a:r>
+              <a:rPr lang="es"/>
+              <a:t>Positive predictive value PVV</a:t>
+            </a:r>
+            <a:r>
+              <a:rPr lang="es"/>
+              <a:t>)</a:t>
             </a:r>
             <a:endParaRPr/>
           </a:p>
@@ -8770,7 +10237,7 @@
       </p:sp>
       <p:sp>
         <p:nvSpPr>
-          <p:cNvPr id="97" name="Google Shape;97;p19"/>
+          <p:cNvPr id="107" name="Google Shape;107;p20"/>
           <p:cNvSpPr txBox="1"/>
           <p:nvPr>
             <p:ph idx="1" type="body"/>
@@ -8791,98 +10258,18 @@
           </a:bodyPr>
           <a:lstStyle/>
           <a:p>
-            <a:pPr indent="-342900" lvl="0" marL="457200" rtl="0" algn="l">
-              <a:spcBef>
-                <a:spcPts val="0"/>
-              </a:spcBef>
-              <a:spcAft>
-                <a:spcPts val="0"/>
-              </a:spcAft>
-              <a:buSzPts val="1800"/>
-              <a:buAutoNum type="arabicPeriod"/>
+            <a:pPr indent="0" lvl="0" marL="0" rtl="0" algn="l">
+              <a:spcBef>
+                <a:spcPts val="0"/>
+              </a:spcBef>
+              <a:spcAft>
+                <a:spcPts val="1600"/>
+              </a:spcAft>
+              <a:buNone/>
             </a:pPr>
             <a:r>
               <a:rPr lang="es"/>
-              <a:t>Sensitividad, recall, True Positive Rate (TPR)</a:t>
-            </a:r>
-            <a:endParaRPr/>
-          </a:p>
-          <a:p>
-            <a:pPr indent="0" lvl="0" marL="457200" rtl="0" algn="l">
-              <a:spcBef>
-                <a:spcPts val="1600"/>
-              </a:spcBef>
-              <a:spcAft>
-                <a:spcPts val="0"/>
-              </a:spcAft>
-              <a:buNone/>
-            </a:pPr>
-            <a:r>
-              <a:t/>
-            </a:r>
-            <a:endParaRPr/>
-          </a:p>
-          <a:p>
-            <a:pPr indent="-342900" lvl="0" marL="457200" rtl="0" algn="l">
-              <a:spcBef>
-                <a:spcPts val="1600"/>
-              </a:spcBef>
-              <a:spcAft>
-                <a:spcPts val="0"/>
-              </a:spcAft>
-              <a:buSzPts val="1800"/>
-              <a:buAutoNum type="arabicPeriod"/>
-            </a:pPr>
-            <a:r>
-              <a:rPr lang="es"/>
-              <a:t>Especificidad, True Negative Rate (TNR)</a:t>
-            </a:r>
-            <a:endParaRPr/>
-          </a:p>
-          <a:p>
-            <a:pPr indent="0" lvl="0" marL="457200" rtl="0" algn="l">
-              <a:spcBef>
-                <a:spcPts val="1600"/>
-              </a:spcBef>
-              <a:spcAft>
-                <a:spcPts val="0"/>
-              </a:spcAft>
-              <a:buNone/>
-            </a:pPr>
-            <a:r>
-              <a:t/>
-            </a:r>
-            <a:endParaRPr/>
-          </a:p>
-          <a:p>
-            <a:pPr indent="-342900" lvl="0" marL="457200" rtl="0" algn="l">
-              <a:spcBef>
-                <a:spcPts val="1600"/>
-              </a:spcBef>
-              <a:spcAft>
-                <a:spcPts val="0"/>
-              </a:spcAft>
-              <a:buSzPts val="1800"/>
-              <a:buAutoNum type="arabicPeriod"/>
-            </a:pPr>
-            <a:r>
-              <a:rPr lang="es"/>
-              <a:t>Precisión or Positive predictive value (PPV)</a:t>
-            </a:r>
-            <a:endParaRPr/>
-          </a:p>
-          <a:p>
-            <a:pPr indent="0" lvl="0" marL="0" rtl="0" algn="l">
-              <a:spcBef>
-                <a:spcPts val="1600"/>
-              </a:spcBef>
-              <a:spcAft>
-                <a:spcPts val="1600"/>
-              </a:spcAft>
-              <a:buNone/>
-            </a:pPr>
-            <a:r>
-              <a:t/>
+              <a:t>Es la relación entre las predicciones correctas y el número total de de predicciones correctas previstas, es decir, mide la precisión del clasificador a la hora de predecir casos positivos. </a:t>
             </a:r>
             <a:endParaRPr/>
           </a:p>
@@ -8890,61 +10277,7 @@
       </p:sp>
       <p:pic>
         <p:nvPicPr>
-          <p:cNvPr id="98" name="Google Shape;98;p19"/>
-          <p:cNvPicPr preferRelativeResize="0"/>
-          <p:nvPr/>
-        </p:nvPicPr>
-        <p:blipFill rotWithShape="1">
-          <a:blip r:embed="rId3">
-            <a:alphaModFix/>
-          </a:blip>
-          <a:srcRect b="48253" l="40209" r="39135" t="41405"/>
-          <a:stretch/>
-        </p:blipFill>
-        <p:spPr>
-          <a:xfrm>
-            <a:off x="3156150" y="1728450"/>
-            <a:ext cx="1888627" cy="531900"/>
-          </a:xfrm>
-          <a:prstGeom prst="rect">
-            <a:avLst/>
-          </a:prstGeom>
-          <a:noFill/>
-          <a:ln>
-            <a:noFill/>
-          </a:ln>
-        </p:spPr>
-      </p:pic>
-      <p:pic>
-        <p:nvPicPr>
-          <p:cNvPr id="99" name="Google Shape;99;p19"/>
-          <p:cNvPicPr preferRelativeResize="0"/>
-          <p:nvPr/>
-        </p:nvPicPr>
-        <p:blipFill rotWithShape="1">
-          <a:blip r:embed="rId3">
-            <a:alphaModFix/>
-          </a:blip>
-          <a:srcRect b="30892" l="40209" r="39135" t="57194"/>
-          <a:stretch/>
-        </p:blipFill>
-        <p:spPr>
-          <a:xfrm>
-            <a:off x="3156150" y="2712425"/>
-            <a:ext cx="1888627" cy="612800"/>
-          </a:xfrm>
-          <a:prstGeom prst="rect">
-            <a:avLst/>
-          </a:prstGeom>
-          <a:noFill/>
-          <a:ln>
-            <a:noFill/>
-          </a:ln>
-        </p:spPr>
-      </p:pic>
-      <p:pic>
-        <p:nvPicPr>
-          <p:cNvPr id="100" name="Google Shape;100;p19"/>
+          <p:cNvPr id="108" name="Google Shape;108;p20"/>
           <p:cNvPicPr preferRelativeResize="0"/>
           <p:nvPr/>
         </p:nvPicPr>
@@ -8957,8 +10290,8 @@
         </p:blipFill>
         <p:spPr>
           <a:xfrm>
-            <a:off x="3156150" y="4051900"/>
-            <a:ext cx="1888627" cy="612800"/>
+            <a:off x="2955712" y="2535412"/>
+            <a:ext cx="2239738" cy="726724"/>
           </a:xfrm>
           <a:prstGeom prst="rect">
             <a:avLst/>
@@ -8969,6 +10302,234 @@
           </a:ln>
         </p:spPr>
       </p:pic>
+      <p:sp>
+        <p:nvSpPr>
+          <p:cNvPr id="109" name="Google Shape;109;p20"/>
+          <p:cNvSpPr txBox="1"/>
+          <p:nvPr/>
+        </p:nvSpPr>
+        <p:spPr>
+          <a:xfrm>
+            <a:off x="492250" y="3139750"/>
+            <a:ext cx="7474200" cy="1582200"/>
+          </a:xfrm>
+          <a:prstGeom prst="rect">
+            <a:avLst/>
+          </a:prstGeom>
+          <a:noFill/>
+          <a:ln>
+            <a:noFill/>
+          </a:ln>
+        </p:spPr>
+        <p:txBody>
+          <a:bodyPr anchorCtr="0" anchor="t" bIns="91425" lIns="91425" spcFirstLastPara="1" rIns="91425" wrap="square" tIns="91425">
+            <a:spAutoFit/>
+          </a:bodyPr>
+          <a:lstStyle/>
+          <a:p>
+            <a:pPr indent="0" lvl="0" marL="0" rtl="0" algn="l">
+              <a:lnSpc>
+                <a:spcPct val="115000"/>
+              </a:lnSpc>
+              <a:spcBef>
+                <a:spcPts val="0"/>
+              </a:spcBef>
+              <a:spcAft>
+                <a:spcPts val="0"/>
+              </a:spcAft>
+              <a:buNone/>
+            </a:pPr>
+            <a:r>
+              <a:rPr lang="es" sz="1800">
+                <a:solidFill>
+                  <a:schemeClr val="dk2"/>
+                </a:solidFill>
+                <a:latin typeface="Source Code Pro"/>
+                <a:ea typeface="Source Code Pro"/>
+                <a:cs typeface="Source Code Pro"/>
+                <a:sym typeface="Source Code Pro"/>
+              </a:rPr>
+              <a:t>En scikit-learn se obtiene de la siguiente manera:</a:t>
+            </a:r>
+            <a:endParaRPr sz="1800">
+              <a:solidFill>
+                <a:schemeClr val="dk2"/>
+              </a:solidFill>
+              <a:latin typeface="Source Code Pro"/>
+              <a:ea typeface="Source Code Pro"/>
+              <a:cs typeface="Source Code Pro"/>
+              <a:sym typeface="Source Code Pro"/>
+            </a:endParaRPr>
+          </a:p>
+          <a:p>
+            <a:pPr indent="0" lvl="0" marL="0" rtl="0" algn="l">
+              <a:lnSpc>
+                <a:spcPct val="135714"/>
+              </a:lnSpc>
+              <a:spcBef>
+                <a:spcPts val="1600"/>
+              </a:spcBef>
+              <a:spcAft>
+                <a:spcPts val="0"/>
+              </a:spcAft>
+              <a:buNone/>
+            </a:pPr>
+            <a:r>
+              <a:rPr lang="es" sz="1050">
+                <a:solidFill>
+                  <a:srgbClr val="AF00DB"/>
+                </a:solidFill>
+                <a:highlight>
+                  <a:srgbClr val="FFFFFE"/>
+                </a:highlight>
+                <a:latin typeface="Courier New"/>
+                <a:ea typeface="Courier New"/>
+                <a:cs typeface="Courier New"/>
+                <a:sym typeface="Courier New"/>
+              </a:rPr>
+              <a:t>from</a:t>
+            </a:r>
+            <a:r>
+              <a:rPr lang="es" sz="1050">
+                <a:highlight>
+                  <a:srgbClr val="FFFFFE"/>
+                </a:highlight>
+                <a:latin typeface="Courier New"/>
+                <a:ea typeface="Courier New"/>
+                <a:cs typeface="Courier New"/>
+                <a:sym typeface="Courier New"/>
+              </a:rPr>
+              <a:t> sklearn.metrics </a:t>
+            </a:r>
+            <a:r>
+              <a:rPr lang="es" sz="1050">
+                <a:solidFill>
+                  <a:srgbClr val="AF00DB"/>
+                </a:solidFill>
+                <a:highlight>
+                  <a:srgbClr val="FFFFFE"/>
+                </a:highlight>
+                <a:latin typeface="Courier New"/>
+                <a:ea typeface="Courier New"/>
+                <a:cs typeface="Courier New"/>
+                <a:sym typeface="Courier New"/>
+              </a:rPr>
+              <a:t>import</a:t>
+            </a:r>
+            <a:r>
+              <a:rPr lang="es" sz="1050">
+                <a:highlight>
+                  <a:srgbClr val="FFFFFE"/>
+                </a:highlight>
+                <a:latin typeface="Courier New"/>
+                <a:ea typeface="Courier New"/>
+                <a:cs typeface="Courier New"/>
+                <a:sym typeface="Courier New"/>
+              </a:rPr>
+              <a:t> precision_score</a:t>
+            </a:r>
+            <a:endParaRPr sz="1050">
+              <a:highlight>
+                <a:srgbClr val="FFFFFE"/>
+              </a:highlight>
+              <a:latin typeface="Courier New"/>
+              <a:ea typeface="Courier New"/>
+              <a:cs typeface="Courier New"/>
+              <a:sym typeface="Courier New"/>
+            </a:endParaRPr>
+          </a:p>
+          <a:p>
+            <a:pPr indent="0" lvl="0" marL="0" rtl="0" algn="l">
+              <a:lnSpc>
+                <a:spcPct val="135714"/>
+              </a:lnSpc>
+              <a:spcBef>
+                <a:spcPts val="0"/>
+              </a:spcBef>
+              <a:spcAft>
+                <a:spcPts val="0"/>
+              </a:spcAft>
+              <a:buNone/>
+            </a:pPr>
+            <a:r>
+              <a:rPr lang="es" sz="1050">
+                <a:highlight>
+                  <a:srgbClr val="FFFFFE"/>
+                </a:highlight>
+                <a:latin typeface="Courier New"/>
+                <a:ea typeface="Courier New"/>
+                <a:cs typeface="Courier New"/>
+                <a:sym typeface="Courier New"/>
+              </a:rPr>
+              <a:t>precision= precision_score(y_test, y_pred)</a:t>
+            </a:r>
+            <a:endParaRPr sz="1050">
+              <a:highlight>
+                <a:srgbClr val="FFFFFE"/>
+              </a:highlight>
+              <a:latin typeface="Courier New"/>
+              <a:ea typeface="Courier New"/>
+              <a:cs typeface="Courier New"/>
+              <a:sym typeface="Courier New"/>
+            </a:endParaRPr>
+          </a:p>
+          <a:p>
+            <a:pPr indent="0" lvl="0" marL="0" rtl="0" algn="l">
+              <a:lnSpc>
+                <a:spcPct val="135714"/>
+              </a:lnSpc>
+              <a:spcBef>
+                <a:spcPts val="0"/>
+              </a:spcBef>
+              <a:spcAft>
+                <a:spcPts val="0"/>
+              </a:spcAft>
+              <a:buNone/>
+            </a:pPr>
+            <a:r>
+              <a:rPr lang="es" sz="1050">
+                <a:highlight>
+                  <a:srgbClr val="FFFFFE"/>
+                </a:highlight>
+                <a:latin typeface="Courier New"/>
+                <a:ea typeface="Courier New"/>
+                <a:cs typeface="Courier New"/>
+                <a:sym typeface="Courier New"/>
+              </a:rPr>
+              <a:t>print(precision)</a:t>
+            </a:r>
+            <a:endParaRPr sz="1050">
+              <a:highlight>
+                <a:srgbClr val="FFFFFE"/>
+              </a:highlight>
+              <a:latin typeface="Courier New"/>
+              <a:ea typeface="Courier New"/>
+              <a:cs typeface="Courier New"/>
+              <a:sym typeface="Courier New"/>
+            </a:endParaRPr>
+          </a:p>
+          <a:p>
+            <a:pPr indent="0" lvl="0" marL="0" rtl="0" algn="l">
+              <a:spcBef>
+                <a:spcPts val="0"/>
+              </a:spcBef>
+              <a:spcAft>
+                <a:spcPts val="0"/>
+              </a:spcAft>
+              <a:buNone/>
+            </a:pPr>
+            <a:r>
+              <a:t/>
+            </a:r>
+            <a:endParaRPr>
+              <a:latin typeface="Source Code Pro"/>
+              <a:ea typeface="Source Code Pro"/>
+              <a:cs typeface="Source Code Pro"/>
+              <a:sym typeface="Source Code Pro"/>
+            </a:endParaRPr>
+          </a:p>
+        </p:txBody>
+      </p:sp>
     </p:spTree>
   </p:cSld>
   <p:clrMapOvr>
@@ -8977,12 +10538,12 @@
 </p:sld>
 </file>
 
-<file path=ppt/slides/slide8.xml><?xml version="1.0" encoding="utf-8"?>
+<file path=ppt/slides/slide9.xml><?xml version="1.0" encoding="utf-8"?>
 <p:sld xmlns:a="http://schemas.openxmlformats.org/drawingml/2006/main" xmlns:r="http://schemas.openxmlformats.org/officeDocument/2006/relationships" xmlns:mc="http://schemas.openxmlformats.org/markup-compatibility/2006" xmlns:mv="urn:schemas-microsoft-com:mac:vml" xmlns:p="http://schemas.openxmlformats.org/presentationml/2006/main" xmlns:c="http://schemas.openxmlformats.org/drawingml/2006/chart" xmlns:dgm="http://schemas.openxmlformats.org/drawingml/2006/diagram" xmlns:o="urn:schemas-microsoft-com:office:office" xmlns:v="urn:schemas-microsoft-com:vml" xmlns:pvml="urn:schemas-microsoft-com:office:powerpoint" xmlns:com="http://schemas.openxmlformats.org/drawingml/2006/compatibility" xmlns:p14="http://schemas.microsoft.com/office/powerpoint/2010/main" xmlns:p15="http://schemas.microsoft.com/office/powerpoint/2012/main" xmlns:ahyp="http://schemas.microsoft.com/office/drawing/2018/hyperlinkcolor">
   <p:cSld>
     <p:spTree>
       <p:nvGrpSpPr>
-        <p:cNvPr id="104" name="Shape 104"/>
+        <p:cNvPr id="113" name="Shape 113"/>
         <p:cNvGrpSpPr/>
         <p:nvPr/>
       </p:nvGrpSpPr>
@@ -8996,7 +10557,7 @@
       </p:grpSpPr>
       <p:sp>
         <p:nvSpPr>
-          <p:cNvPr id="105" name="Google Shape;105;p20"/>
+          <p:cNvPr id="114" name="Google Shape;114;p21"/>
           <p:cNvSpPr txBox="1"/>
           <p:nvPr>
             <p:ph type="title"/>
@@ -9028,7 +10589,15 @@
             </a:pPr>
             <a:r>
               <a:rPr lang="es"/>
-              <a:t>MÁS MÉTRICAS</a:t>
+              <a:t>sensibilidad (recall,</a:t>
+            </a:r>
+            <a:r>
+              <a:rPr lang="es"/>
+              <a:t> </a:t>
+            </a:r>
+            <a:r>
+              <a:rPr lang="es"/>
+              <a:t>True Positive Rate (TPR))</a:t>
             </a:r>
             <a:endParaRPr/>
           </a:p>
@@ -9036,7 +10605,7 @@
       </p:sp>
       <p:sp>
         <p:nvSpPr>
-          <p:cNvPr id="106" name="Google Shape;106;p20"/>
+          <p:cNvPr id="115" name="Google Shape;115;p21"/>
           <p:cNvSpPr txBox="1"/>
           <p:nvPr>
             <p:ph idx="1" type="body"/>
@@ -9044,7 +10613,7 @@
         </p:nvSpPr>
         <p:spPr>
           <a:xfrm>
-            <a:off x="311700" y="1228675"/>
+            <a:off x="271500" y="1037275"/>
             <a:ext cx="8520600" cy="3340200"/>
           </a:xfrm>
           <a:prstGeom prst="rect">
@@ -9068,42 +10637,15 @@
             </a:pPr>
             <a:r>
               <a:rPr lang="es"/>
-              <a:t>4. Accuracy</a:t>
-            </a:r>
-            <a:endParaRPr/>
-          </a:p>
-          <a:p>
-            <a:pPr indent="0" lvl="0" marL="457200" rtl="0" algn="l">
-              <a:spcBef>
-                <a:spcPts val="1600"/>
-              </a:spcBef>
-              <a:spcAft>
-                <a:spcPts val="0"/>
-              </a:spcAft>
-              <a:buNone/>
-            </a:pPr>
-            <a:r>
-              <a:t/>
-            </a:r>
-            <a:endParaRPr/>
-          </a:p>
-          <a:p>
-            <a:pPr indent="0" lvl="0" marL="457200" rtl="0" algn="l">
-              <a:spcBef>
-                <a:spcPts val="1600"/>
-              </a:spcBef>
-              <a:spcAft>
-                <a:spcPts val="0"/>
-              </a:spcAft>
-              <a:buNone/>
-            </a:pPr>
-            <a:r>
-              <a:t/>
+              <a:t>Relación entre predicciones positivas correctas y el número total de predicciones positivas. Mide la sensibilidad del clasificador para detectar instancias positivas. </a:t>
             </a:r>
             <a:endParaRPr/>
           </a:p>
           <a:p>
             <a:pPr indent="0" lvl="0" marL="0" rtl="0" algn="l">
+              <a:lnSpc>
+                <a:spcPct val="135714"/>
+              </a:lnSpc>
               <a:spcBef>
                 <a:spcPts val="1600"/>
               </a:spcBef>
@@ -9113,54 +10655,337 @@
               <a:buNone/>
             </a:pPr>
             <a:r>
-              <a:rPr lang="es"/>
-              <a:t>5. F-1 (media armónica entre </a:t>
-            </a:r>
-            <a:r>
-              <a:rPr lang="es"/>
-              <a:t>precisión</a:t>
-            </a:r>
-            <a:r>
-              <a:rPr lang="es"/>
-              <a:t> y sensitividad)</a:t>
-            </a:r>
-            <a:endParaRPr/>
-          </a:p>
-          <a:p>
-            <a:pPr indent="0" lvl="0" marL="457200" rtl="0" algn="l">
-              <a:spcBef>
-                <a:spcPts val="1600"/>
-              </a:spcBef>
-              <a:spcAft>
-                <a:spcPts val="0"/>
-              </a:spcAft>
-              <a:buNone/>
-            </a:pPr>
-            <a:r>
-              <a:t/>
-            </a:r>
-            <a:endParaRPr/>
+              <a:rPr lang="es" sz="1050">
+                <a:solidFill>
+                  <a:srgbClr val="AF00DB"/>
+                </a:solidFill>
+                <a:highlight>
+                  <a:srgbClr val="FFFFFE"/>
+                </a:highlight>
+                <a:latin typeface="Courier New"/>
+                <a:ea typeface="Courier New"/>
+                <a:cs typeface="Courier New"/>
+                <a:sym typeface="Courier New"/>
+              </a:rPr>
+              <a:t>from</a:t>
+            </a:r>
+            <a:r>
+              <a:rPr lang="es" sz="1050">
+                <a:solidFill>
+                  <a:srgbClr val="000000"/>
+                </a:solidFill>
+                <a:highlight>
+                  <a:srgbClr val="FFFFFE"/>
+                </a:highlight>
+                <a:latin typeface="Courier New"/>
+                <a:ea typeface="Courier New"/>
+                <a:cs typeface="Courier New"/>
+                <a:sym typeface="Courier New"/>
+              </a:rPr>
+              <a:t> sklearn.metrics </a:t>
+            </a:r>
+            <a:r>
+              <a:rPr lang="es" sz="1050">
+                <a:solidFill>
+                  <a:srgbClr val="AF00DB"/>
+                </a:solidFill>
+                <a:highlight>
+                  <a:srgbClr val="FFFFFE"/>
+                </a:highlight>
+                <a:latin typeface="Courier New"/>
+                <a:ea typeface="Courier New"/>
+                <a:cs typeface="Courier New"/>
+                <a:sym typeface="Courier New"/>
+              </a:rPr>
+              <a:t>import</a:t>
+            </a:r>
+            <a:r>
+              <a:rPr lang="es" sz="1050">
+                <a:solidFill>
+                  <a:srgbClr val="000000"/>
+                </a:solidFill>
+                <a:highlight>
+                  <a:srgbClr val="FFFFFE"/>
+                </a:highlight>
+                <a:latin typeface="Courier New"/>
+                <a:ea typeface="Courier New"/>
+                <a:cs typeface="Courier New"/>
+                <a:sym typeface="Courier New"/>
+              </a:rPr>
+              <a:t> recall_score</a:t>
+            </a:r>
+            <a:endParaRPr sz="1050">
+              <a:solidFill>
+                <a:srgbClr val="000000"/>
+              </a:solidFill>
+              <a:highlight>
+                <a:srgbClr val="FFFFFE"/>
+              </a:highlight>
+              <a:latin typeface="Courier New"/>
+              <a:ea typeface="Courier New"/>
+              <a:cs typeface="Courier New"/>
+              <a:sym typeface="Courier New"/>
+            </a:endParaRPr>
           </a:p>
           <a:p>
             <a:pPr indent="0" lvl="0" marL="0" rtl="0" algn="l">
-              <a:spcBef>
+              <a:lnSpc>
+                <a:spcPct val="135714"/>
+              </a:lnSpc>
+              <a:spcBef>
+                <a:spcPts val="0"/>
+              </a:spcBef>
+              <a:spcAft>
+                <a:spcPts val="0"/>
+              </a:spcAft>
+              <a:buNone/>
+            </a:pPr>
+            <a:r>
+              <a:rPr lang="es" sz="1050">
+                <a:solidFill>
+                  <a:srgbClr val="000000"/>
+                </a:solidFill>
+                <a:highlight>
+                  <a:srgbClr val="FFFFFE"/>
+                </a:highlight>
+                <a:latin typeface="Courier New"/>
+                <a:ea typeface="Courier New"/>
+                <a:cs typeface="Courier New"/>
+                <a:sym typeface="Courier New"/>
+              </a:rPr>
+              <a:t>TPR= recall_score(y_test, y_pred)</a:t>
+            </a:r>
+            <a:endParaRPr sz="1050">
+              <a:solidFill>
+                <a:srgbClr val="000000"/>
+              </a:solidFill>
+              <a:highlight>
+                <a:srgbClr val="FFFFFE"/>
+              </a:highlight>
+              <a:latin typeface="Courier New"/>
+              <a:ea typeface="Courier New"/>
+              <a:cs typeface="Courier New"/>
+              <a:sym typeface="Courier New"/>
+            </a:endParaRPr>
+          </a:p>
+          <a:p>
+            <a:pPr indent="0" lvl="0" marL="0" rtl="0" algn="l">
+              <a:lnSpc>
+                <a:spcPct val="135714"/>
+              </a:lnSpc>
+              <a:spcBef>
+                <a:spcPts val="0"/>
+              </a:spcBef>
+              <a:spcAft>
+                <a:spcPts val="0"/>
+              </a:spcAft>
+              <a:buNone/>
+            </a:pPr>
+            <a:r>
+              <a:rPr lang="es" sz="1050">
+                <a:solidFill>
+                  <a:srgbClr val="000000"/>
+                </a:solidFill>
+                <a:highlight>
+                  <a:srgbClr val="FFFFFE"/>
+                </a:highlight>
+                <a:latin typeface="Courier New"/>
+                <a:ea typeface="Courier New"/>
+                <a:cs typeface="Courier New"/>
+                <a:sym typeface="Courier New"/>
+              </a:rPr>
+              <a:t>print(TPR)</a:t>
+            </a:r>
+            <a:endParaRPr sz="1050">
+              <a:solidFill>
+                <a:srgbClr val="000000"/>
+              </a:solidFill>
+              <a:highlight>
+                <a:srgbClr val="FFFFFE"/>
+              </a:highlight>
+              <a:latin typeface="Courier New"/>
+              <a:ea typeface="Courier New"/>
+              <a:cs typeface="Courier New"/>
+              <a:sym typeface="Courier New"/>
+            </a:endParaRPr>
+          </a:p>
+          <a:p>
+            <a:pPr indent="0" lvl="0" marL="0" rtl="0" algn="l">
+              <a:lnSpc>
+                <a:spcPct val="135714"/>
+              </a:lnSpc>
+              <a:spcBef>
+                <a:spcPts val="0"/>
+              </a:spcBef>
+              <a:spcAft>
+                <a:spcPts val="0"/>
+              </a:spcAft>
+              <a:buNone/>
+            </a:pPr>
+            <a:r>
+              <a:t/>
+            </a:r>
+            <a:endParaRPr sz="1050">
+              <a:solidFill>
+                <a:srgbClr val="000000"/>
+              </a:solidFill>
+              <a:highlight>
+                <a:srgbClr val="FFFFFE"/>
+              </a:highlight>
+              <a:latin typeface="Courier New"/>
+              <a:ea typeface="Courier New"/>
+              <a:cs typeface="Courier New"/>
+              <a:sym typeface="Courier New"/>
+            </a:endParaRPr>
+          </a:p>
+          <a:p>
+            <a:pPr indent="0" lvl="0" marL="0" rtl="0" algn="l">
+              <a:lnSpc>
+                <a:spcPct val="135714"/>
+              </a:lnSpc>
+              <a:spcBef>
+                <a:spcPts val="0"/>
+              </a:spcBef>
+              <a:spcAft>
+                <a:spcPts val="0"/>
+              </a:spcAft>
+              <a:buNone/>
+            </a:pPr>
+            <a:r>
+              <a:t/>
+            </a:r>
+            <a:endParaRPr sz="1050">
+              <a:solidFill>
+                <a:srgbClr val="000000"/>
+              </a:solidFill>
+              <a:highlight>
+                <a:srgbClr val="FFFFFE"/>
+              </a:highlight>
+              <a:latin typeface="Courier New"/>
+              <a:ea typeface="Courier New"/>
+              <a:cs typeface="Courier New"/>
+              <a:sym typeface="Courier New"/>
+            </a:endParaRPr>
+          </a:p>
+          <a:p>
+            <a:pPr indent="0" lvl="0" marL="0" rtl="0" algn="l">
+              <a:lnSpc>
+                <a:spcPct val="135714"/>
+              </a:lnSpc>
+              <a:spcBef>
+                <a:spcPts val="0"/>
+              </a:spcBef>
+              <a:spcAft>
+                <a:spcPts val="0"/>
+              </a:spcAft>
+              <a:buNone/>
+            </a:pPr>
+            <a:r>
+              <a:t/>
+            </a:r>
+            <a:endParaRPr sz="1050">
+              <a:solidFill>
+                <a:srgbClr val="000000"/>
+              </a:solidFill>
+              <a:highlight>
+                <a:srgbClr val="FFFFFE"/>
+              </a:highlight>
+              <a:latin typeface="Courier New"/>
+              <a:ea typeface="Courier New"/>
+              <a:cs typeface="Courier New"/>
+              <a:sym typeface="Courier New"/>
+            </a:endParaRPr>
+          </a:p>
+          <a:p>
+            <a:pPr indent="0" lvl="0" marL="0" rtl="0" algn="l">
+              <a:lnSpc>
+                <a:spcPct val="135714"/>
+              </a:lnSpc>
+              <a:spcBef>
+                <a:spcPts val="0"/>
+              </a:spcBef>
+              <a:spcAft>
+                <a:spcPts val="0"/>
+              </a:spcAft>
+              <a:buNone/>
+            </a:pPr>
+            <a:r>
+              <a:t/>
+            </a:r>
+            <a:endParaRPr sz="1050">
+              <a:solidFill>
+                <a:srgbClr val="000000"/>
+              </a:solidFill>
+              <a:highlight>
+                <a:srgbClr val="FFFFFE"/>
+              </a:highlight>
+              <a:latin typeface="Courier New"/>
+              <a:ea typeface="Courier New"/>
+              <a:cs typeface="Courier New"/>
+              <a:sym typeface="Courier New"/>
+            </a:endParaRPr>
+          </a:p>
+          <a:p>
+            <a:pPr indent="0" lvl="0" marL="0" rtl="0" algn="l">
+              <a:lnSpc>
+                <a:spcPct val="135714"/>
+              </a:lnSpc>
+              <a:spcBef>
+                <a:spcPts val="0"/>
+              </a:spcBef>
+              <a:spcAft>
+                <a:spcPts val="0"/>
+              </a:spcAft>
+              <a:buNone/>
+            </a:pPr>
+            <a:r>
+              <a:t/>
+            </a:r>
+            <a:endParaRPr sz="1050">
+              <a:solidFill>
+                <a:srgbClr val="000000"/>
+              </a:solidFill>
+              <a:highlight>
+                <a:srgbClr val="FFFFFE"/>
+              </a:highlight>
+              <a:latin typeface="Courier New"/>
+              <a:ea typeface="Courier New"/>
+              <a:cs typeface="Courier New"/>
+              <a:sym typeface="Courier New"/>
+            </a:endParaRPr>
+          </a:p>
+          <a:p>
+            <a:pPr indent="0" lvl="0" marL="0" rtl="0" algn="l">
+              <a:spcBef>
+                <a:spcPts val="0"/>
+              </a:spcBef>
+              <a:spcAft>
                 <a:spcPts val="1600"/>
-              </a:spcBef>
-              <a:spcAft>
-                <a:spcPts val="1600"/>
               </a:spcAft>
               <a:buNone/>
             </a:pPr>
             <a:r>
-              <a:t/>
-            </a:r>
-            <a:endParaRPr/>
+              <a:rPr lang="es"/>
+              <a:t>Relación entre predicciones negativas y el número total de predicciones negativas.</a:t>
+            </a:r>
+            <a:endParaRPr sz="1050">
+              <a:solidFill>
+                <a:srgbClr val="000000"/>
+              </a:solidFill>
+              <a:highlight>
+                <a:srgbClr val="FFFFFE"/>
+              </a:highlight>
+              <a:latin typeface="Courier New"/>
+              <a:ea typeface="Courier New"/>
+              <a:cs typeface="Courier New"/>
+              <a:sym typeface="Courier New"/>
+            </a:endParaRPr>
           </a:p>
         </p:txBody>
       </p:sp>
       <p:pic>
         <p:nvPicPr>
-          <p:cNvPr id="107" name="Google Shape;107;p20"/>
+          <p:cNvPr id="116" name="Google Shape;116;p21"/>
           <p:cNvPicPr preferRelativeResize="0"/>
           <p:nvPr/>
         </p:nvPicPr>
@@ -9168,13 +10993,13 @@
           <a:blip r:embed="rId3">
             <a:alphaModFix/>
           </a:blip>
-          <a:srcRect b="38866" l="35152" r="34415" t="50000"/>
+          <a:srcRect b="48253" l="40209" r="39135" t="41405"/>
           <a:stretch/>
         </p:blipFill>
         <p:spPr>
           <a:xfrm>
-            <a:off x="3180638" y="1749650"/>
-            <a:ext cx="2782723" cy="572651"/>
+            <a:off x="4567587" y="2220150"/>
+            <a:ext cx="2175974" cy="612824"/>
           </a:xfrm>
           <a:prstGeom prst="rect">
             <a:avLst/>
@@ -9185,61 +11010,9 @@
           </a:ln>
         </p:spPr>
       </p:pic>
-      <p:pic>
-        <p:nvPicPr>
-          <p:cNvPr id="108" name="Google Shape;108;p20"/>
-          <p:cNvPicPr preferRelativeResize="0"/>
-          <p:nvPr/>
-        </p:nvPicPr>
-        <p:blipFill rotWithShape="1">
-          <a:blip r:embed="rId3">
-            <a:alphaModFix/>
-          </a:blip>
-          <a:srcRect b="20779" l="35152" r="34415" t="67155"/>
-          <a:stretch/>
-        </p:blipFill>
-        <p:spPr>
-          <a:xfrm>
-            <a:off x="3180650" y="3495974"/>
-            <a:ext cx="2782699" cy="620525"/>
-          </a:xfrm>
-          <a:prstGeom prst="rect">
-            <a:avLst/>
-          </a:prstGeom>
-          <a:noFill/>
-          <a:ln>
-            <a:noFill/>
-          </a:ln>
-        </p:spPr>
-      </p:pic>
-    </p:spTree>
-  </p:cSld>
-  <p:clrMapOvr>
-    <a:masterClrMapping/>
-  </p:clrMapOvr>
-</p:sld>
-</file>
-
-<file path=ppt/slides/slide9.xml><?xml version="1.0" encoding="utf-8"?>
-<p:sld xmlns:a="http://schemas.openxmlformats.org/drawingml/2006/main" xmlns:r="http://schemas.openxmlformats.org/officeDocument/2006/relationships" xmlns:mc="http://schemas.openxmlformats.org/markup-compatibility/2006" xmlns:mv="urn:schemas-microsoft-com:mac:vml" xmlns:p="http://schemas.openxmlformats.org/presentationml/2006/main" xmlns:c="http://schemas.openxmlformats.org/drawingml/2006/chart" xmlns:dgm="http://schemas.openxmlformats.org/drawingml/2006/diagram" xmlns:o="urn:schemas-microsoft-com:office:office" xmlns:v="urn:schemas-microsoft-com:vml" xmlns:pvml="urn:schemas-microsoft-com:office:powerpoint" xmlns:com="http://schemas.openxmlformats.org/drawingml/2006/compatibility" xmlns:p14="http://schemas.microsoft.com/office/powerpoint/2010/main" xmlns:p15="http://schemas.microsoft.com/office/powerpoint/2012/main" xmlns:ahyp="http://schemas.microsoft.com/office/drawing/2018/hyperlinkcolor">
-  <p:cSld>
-    <p:spTree>
-      <p:nvGrpSpPr>
-        <p:cNvPr id="112" name="Shape 112"/>
-        <p:cNvGrpSpPr/>
-        <p:nvPr/>
-      </p:nvGrpSpPr>
-      <p:grpSpPr>
-        <a:xfrm>
-          <a:off x="0" y="0"/>
-          <a:ext cx="0" cy="0"/>
-          <a:chOff x="0" y="0"/>
-          <a:chExt cx="0" cy="0"/>
-        </a:xfrm>
-      </p:grpSpPr>
       <p:sp>
         <p:nvSpPr>
-          <p:cNvPr id="113" name="Google Shape;113;p21"/>
+          <p:cNvPr id="117" name="Google Shape;117;p21"/>
           <p:cNvSpPr txBox="1"/>
           <p:nvPr>
             <p:ph type="title"/>
@@ -9247,7 +11020,7 @@
         </p:nvSpPr>
         <p:spPr>
           <a:xfrm>
-            <a:off x="311700" y="292850"/>
+            <a:off x="271500" y="2965025"/>
             <a:ext cx="8520600" cy="801000"/>
           </a:xfrm>
           <a:prstGeom prst="rect">
@@ -9271,83 +11044,39 @@
             </a:pPr>
             <a:r>
               <a:rPr lang="es"/>
-              <a:t>EJemplo notebook</a:t>
+              <a:t>Especificidad (True negative rate)</a:t>
             </a:r>
             <a:endParaRPr/>
           </a:p>
         </p:txBody>
       </p:sp>
-      <p:sp>
-        <p:nvSpPr>
-          <p:cNvPr id="114" name="Google Shape;114;p21"/>
-          <p:cNvSpPr txBox="1"/>
-          <p:nvPr>
-            <p:ph idx="1" type="body"/>
-          </p:nvPr>
-        </p:nvSpPr>
+      <p:pic>
+        <p:nvPicPr>
+          <p:cNvPr id="118" name="Google Shape;118;p21"/>
+          <p:cNvPicPr preferRelativeResize="0"/>
+          <p:nvPr/>
+        </p:nvPicPr>
+        <p:blipFill rotWithShape="1">
+          <a:blip r:embed="rId3">
+            <a:alphaModFix/>
+          </a:blip>
+          <a:srcRect b="30892" l="40209" r="39135" t="57194"/>
+          <a:stretch/>
+        </p:blipFill>
         <p:spPr>
           <a:xfrm>
-            <a:off x="311700" y="1228675"/>
-            <a:ext cx="8520600" cy="3340200"/>
+            <a:off x="4567575" y="4440325"/>
+            <a:ext cx="2167152" cy="703175"/>
           </a:xfrm>
           <a:prstGeom prst="rect">
             <a:avLst/>
           </a:prstGeom>
+          <a:noFill/>
+          <a:ln>
+            <a:noFill/>
+          </a:ln>
         </p:spPr>
-        <p:txBody>
-          <a:bodyPr anchorCtr="0" anchor="t" bIns="91425" lIns="91425" spcFirstLastPara="1" rIns="91425" wrap="square" tIns="91425">
-            <a:noAutofit/>
-          </a:bodyPr>
-          <a:lstStyle/>
-          <a:p>
-            <a:pPr indent="0" lvl="0" marL="0" rtl="0" algn="l">
-              <a:spcBef>
-                <a:spcPts val="0"/>
-              </a:spcBef>
-              <a:spcAft>
-                <a:spcPts val="0"/>
-              </a:spcAft>
-              <a:buNone/>
-            </a:pPr>
-            <a:r>
-              <a:rPr lang="es"/>
-              <a:t>funciones mc</a:t>
-            </a:r>
-            <a:endParaRPr/>
-          </a:p>
-          <a:p>
-            <a:pPr indent="0" lvl="0" marL="0" rtl="0" algn="l">
-              <a:spcBef>
-                <a:spcPts val="1600"/>
-              </a:spcBef>
-              <a:spcAft>
-                <a:spcPts val="0"/>
-              </a:spcAft>
-              <a:buNone/>
-            </a:pPr>
-            <a:r>
-              <a:rPr lang="es"/>
-              <a:t>y métricas </a:t>
-            </a:r>
-            <a:endParaRPr/>
-          </a:p>
-          <a:p>
-            <a:pPr indent="0" lvl="0" marL="0" rtl="0" algn="l">
-              <a:spcBef>
-                <a:spcPts val="1600"/>
-              </a:spcBef>
-              <a:spcAft>
-                <a:spcPts val="1600"/>
-              </a:spcAft>
-              <a:buNone/>
-            </a:pPr>
-            <a:r>
-              <a:t/>
-            </a:r>
-            <a:endParaRPr/>
-          </a:p>
-        </p:txBody>
-      </p:sp>
+      </p:pic>
     </p:spTree>
   </p:cSld>
   <p:clrMapOvr>
